--- a/SQL_CapStone_Project_Presentation_S8244.pptx
+++ b/SQL_CapStone_Project_Presentation_S8244.pptx
@@ -5,29 +5,30 @@
     <p:sldMasterId id="2147483648" r:id="rId1"/>
   </p:sldMasterIdLst>
   <p:notesMasterIdLst>
-    <p:notesMasterId r:id="rId22"/>
+    <p:notesMasterId r:id="rId23"/>
   </p:notesMasterIdLst>
   <p:sldIdLst>
-    <p:sldId id="257" r:id="rId2"/>
-    <p:sldId id="276" r:id="rId3"/>
-    <p:sldId id="274" r:id="rId4"/>
-    <p:sldId id="277" r:id="rId5"/>
-    <p:sldId id="256" r:id="rId6"/>
-    <p:sldId id="265" r:id="rId7"/>
-    <p:sldId id="262" r:id="rId8"/>
-    <p:sldId id="263" r:id="rId9"/>
-    <p:sldId id="264" r:id="rId10"/>
-    <p:sldId id="258" r:id="rId11"/>
-    <p:sldId id="261" r:id="rId12"/>
-    <p:sldId id="266" r:id="rId13"/>
-    <p:sldId id="267" r:id="rId14"/>
-    <p:sldId id="269" r:id="rId15"/>
-    <p:sldId id="275" r:id="rId16"/>
-    <p:sldId id="268" r:id="rId17"/>
-    <p:sldId id="271" r:id="rId18"/>
-    <p:sldId id="272" r:id="rId19"/>
-    <p:sldId id="273" r:id="rId20"/>
-    <p:sldId id="270" r:id="rId21"/>
+    <p:sldId id="278" r:id="rId2"/>
+    <p:sldId id="257" r:id="rId3"/>
+    <p:sldId id="276" r:id="rId4"/>
+    <p:sldId id="274" r:id="rId5"/>
+    <p:sldId id="277" r:id="rId6"/>
+    <p:sldId id="256" r:id="rId7"/>
+    <p:sldId id="265" r:id="rId8"/>
+    <p:sldId id="262" r:id="rId9"/>
+    <p:sldId id="263" r:id="rId10"/>
+    <p:sldId id="264" r:id="rId11"/>
+    <p:sldId id="258" r:id="rId12"/>
+    <p:sldId id="261" r:id="rId13"/>
+    <p:sldId id="266" r:id="rId14"/>
+    <p:sldId id="267" r:id="rId15"/>
+    <p:sldId id="269" r:id="rId16"/>
+    <p:sldId id="275" r:id="rId17"/>
+    <p:sldId id="268" r:id="rId18"/>
+    <p:sldId id="271" r:id="rId19"/>
+    <p:sldId id="272" r:id="rId20"/>
+    <p:sldId id="273" r:id="rId21"/>
+    <p:sldId id="270" r:id="rId22"/>
   </p:sldIdLst>
   <p:sldSz cx="12192000" cy="6858000"/>
   <p:notesSz cx="6858000" cy="9144000"/>
@@ -228,7 +229,7 @@
           <a:p>
             <a:fld id="{129F3FF5-D1F2-4134-91E3-4D306D37E53A}" type="datetimeFigureOut">
               <a:rPr lang="en-US" smtClean="0"/>
-              <a:t>7/9/2024</a:t>
+              <a:t>10/9/2024</a:t>
             </a:fld>
             <a:endParaRPr lang="en-US"/>
           </a:p>
@@ -560,7 +561,7 @@
           <a:p>
             <a:fld id="{F3E56F50-41DB-4666-831B-3D2196D0818F}" type="slidenum">
               <a:rPr lang="en-US" smtClean="0"/>
-              <a:t>10</a:t>
+              <a:t>11</a:t>
             </a:fld>
             <a:endParaRPr lang="en-US"/>
           </a:p>
@@ -765,7 +766,7 @@
           <a:p>
             <a:fld id="{4AAD347D-5ACD-4C99-B74B-A9C85AD731AF}" type="datetimeFigureOut">
               <a:rPr lang="en-US" dirty="0"/>
-              <a:t>7/9/2024</a:t>
+              <a:t>10/9/2024</a:t>
             </a:fld>
             <a:endParaRPr lang="en-US" dirty="0"/>
           </a:p>
@@ -1035,7 +1036,7 @@
           <a:p>
             <a:fld id="{4509A250-FF31-4206-8172-F9D3106AACB1}" type="datetimeFigureOut">
               <a:rPr lang="en-US" dirty="0"/>
-              <a:t>7/9/2024</a:t>
+              <a:t>10/9/2024</a:t>
             </a:fld>
             <a:endParaRPr lang="en-US" dirty="0"/>
           </a:p>
@@ -1224,7 +1225,7 @@
           <a:p>
             <a:fld id="{4509A250-FF31-4206-8172-F9D3106AACB1}" type="datetimeFigureOut">
               <a:rPr lang="en-US" dirty="0"/>
-              <a:t>7/9/2024</a:t>
+              <a:t>10/9/2024</a:t>
             </a:fld>
             <a:endParaRPr lang="en-US" dirty="0"/>
           </a:p>
@@ -1492,7 +1493,7 @@
           <a:p>
             <a:fld id="{4509A250-FF31-4206-8172-F9D3106AACB1}" type="datetimeFigureOut">
               <a:rPr lang="en-US" dirty="0"/>
-              <a:t>7/9/2024</a:t>
+              <a:t>10/9/2024</a:t>
             </a:fld>
             <a:endParaRPr lang="en-US" dirty="0"/>
           </a:p>
@@ -1828,7 +1829,7 @@
           <a:p>
             <a:fld id="{4509A250-FF31-4206-8172-F9D3106AACB1}" type="datetimeFigureOut">
               <a:rPr lang="en-US" dirty="0"/>
-              <a:t>7/9/2024</a:t>
+              <a:t>10/9/2024</a:t>
             </a:fld>
             <a:endParaRPr lang="en-US" dirty="0"/>
           </a:p>
@@ -2446,7 +2447,7 @@
           <a:p>
             <a:fld id="{4509A250-FF31-4206-8172-F9D3106AACB1}" type="datetimeFigureOut">
               <a:rPr lang="en-US" dirty="0"/>
-              <a:t>7/9/2024</a:t>
+              <a:t>10/9/2024</a:t>
             </a:fld>
             <a:endParaRPr lang="en-US" dirty="0"/>
           </a:p>
@@ -3301,7 +3302,7 @@
           <a:p>
             <a:fld id="{4509A250-FF31-4206-8172-F9D3106AACB1}" type="datetimeFigureOut">
               <a:rPr lang="en-US" dirty="0"/>
-              <a:t>7/9/2024</a:t>
+              <a:t>10/9/2024</a:t>
             </a:fld>
             <a:endParaRPr lang="en-US" dirty="0"/>
           </a:p>
@@ -3466,7 +3467,7 @@
           <a:p>
             <a:fld id="{4509A250-FF31-4206-8172-F9D3106AACB1}" type="datetimeFigureOut">
               <a:rPr lang="en-US" dirty="0"/>
-              <a:t>7/9/2024</a:t>
+              <a:t>10/9/2024</a:t>
             </a:fld>
             <a:endParaRPr lang="en-US" dirty="0"/>
           </a:p>
@@ -3641,7 +3642,7 @@
           <a:p>
             <a:fld id="{4509A250-FF31-4206-8172-F9D3106AACB1}" type="datetimeFigureOut">
               <a:rPr lang="en-US" dirty="0"/>
-              <a:t>7/9/2024</a:t>
+              <a:t>10/9/2024</a:t>
             </a:fld>
             <a:endParaRPr lang="en-US" dirty="0"/>
           </a:p>
@@ -3806,7 +3807,7 @@
           <a:p>
             <a:fld id="{4509A250-FF31-4206-8172-F9D3106AACB1}" type="datetimeFigureOut">
               <a:rPr lang="en-US" dirty="0"/>
-              <a:t>7/9/2024</a:t>
+              <a:t>10/9/2024</a:t>
             </a:fld>
             <a:endParaRPr lang="en-US" dirty="0"/>
           </a:p>
@@ -4048,7 +4049,7 @@
           <a:p>
             <a:fld id="{9796027F-7875-4030-9381-8BD8C4F21935}" type="datetimeFigureOut">
               <a:rPr lang="en-US" dirty="0"/>
-              <a:t>7/9/2024</a:t>
+              <a:t>10/9/2024</a:t>
             </a:fld>
             <a:endParaRPr lang="en-US" dirty="0"/>
           </a:p>
@@ -4335,7 +4336,7 @@
           <a:p>
             <a:fld id="{9796027F-7875-4030-9381-8BD8C4F21935}" type="datetimeFigureOut">
               <a:rPr lang="en-US" dirty="0"/>
-              <a:t>7/9/2024</a:t>
+              <a:t>10/9/2024</a:t>
             </a:fld>
             <a:endParaRPr lang="en-US" dirty="0"/>
           </a:p>
@@ -4774,7 +4775,7 @@
           <a:p>
             <a:fld id="{9796027F-7875-4030-9381-8BD8C4F21935}" type="datetimeFigureOut">
               <a:rPr lang="en-US" dirty="0"/>
-              <a:t>7/9/2024</a:t>
+              <a:t>10/9/2024</a:t>
             </a:fld>
             <a:endParaRPr lang="en-US" dirty="0"/>
           </a:p>
@@ -4887,7 +4888,7 @@
           <a:p>
             <a:fld id="{4509A250-FF31-4206-8172-F9D3106AACB1}" type="datetimeFigureOut">
               <a:rPr lang="en-US" dirty="0"/>
-              <a:t>7/9/2024</a:t>
+              <a:t>10/9/2024</a:t>
             </a:fld>
             <a:endParaRPr lang="en-US" dirty="0"/>
           </a:p>
@@ -4977,7 +4978,7 @@
           <a:p>
             <a:fld id="{4509A250-FF31-4206-8172-F9D3106AACB1}" type="datetimeFigureOut">
               <a:rPr lang="en-US" dirty="0"/>
-              <a:t>7/9/2024</a:t>
+              <a:t>10/9/2024</a:t>
             </a:fld>
             <a:endParaRPr lang="en-US" dirty="0"/>
           </a:p>
@@ -5251,7 +5252,7 @@
           <a:p>
             <a:fld id="{4509A250-FF31-4206-8172-F9D3106AACB1}" type="datetimeFigureOut">
               <a:rPr lang="en-US" dirty="0"/>
-              <a:t>7/9/2024</a:t>
+              <a:t>10/9/2024</a:t>
             </a:fld>
             <a:endParaRPr lang="en-US" dirty="0"/>
           </a:p>
@@ -5521,7 +5522,7 @@
           <a:p>
             <a:fld id="{4509A250-FF31-4206-8172-F9D3106AACB1}" type="datetimeFigureOut">
               <a:rPr lang="en-US" dirty="0"/>
-              <a:t>7/9/2024</a:t>
+              <a:t>10/9/2024</a:t>
             </a:fld>
             <a:endParaRPr lang="en-US" dirty="0"/>
           </a:p>
@@ -5581,9 +5582,34 @@
 <p:sldMaster xmlns:a="http://schemas.openxmlformats.org/drawingml/2006/main" xmlns:r="http://schemas.openxmlformats.org/officeDocument/2006/relationships" xmlns:p="http://schemas.openxmlformats.org/presentationml/2006/main">
   <p:cSld>
     <p:bg>
-      <p:bgRef idx="1003">
-        <a:schemeClr val="bg2"/>
-      </p:bgRef>
+      <p:bgPr>
+        <a:gradFill flip="none" rotWithShape="1">
+          <a:gsLst>
+            <a:gs pos="0">
+              <a:schemeClr val="accent4">
+                <a:lumMod val="40000"/>
+                <a:lumOff val="60000"/>
+              </a:schemeClr>
+            </a:gs>
+            <a:gs pos="46000">
+              <a:schemeClr val="accent4">
+                <a:lumMod val="95000"/>
+                <a:lumOff val="5000"/>
+              </a:schemeClr>
+            </a:gs>
+            <a:gs pos="100000">
+              <a:schemeClr val="accent4">
+                <a:lumMod val="60000"/>
+              </a:schemeClr>
+            </a:gs>
+          </a:gsLst>
+          <a:path path="circle">
+            <a:fillToRect l="50000" t="130000" r="50000" b="-30000"/>
+          </a:path>
+          <a:tileRect/>
+        </a:gradFill>
+        <a:effectLst/>
+      </p:bgPr>
     </p:bg>
     <p:spTree>
       <p:nvGrpSpPr>
@@ -5945,7 +5971,7 @@
           <a:p>
             <a:fld id="{4AAD347D-5ACD-4C99-B74B-A9C85AD731AF}" type="datetimeFigureOut">
               <a:rPr lang="en-US" dirty="0"/>
-              <a:t>7/9/2024</a:t>
+              <a:t>10/9/2024</a:t>
             </a:fld>
             <a:endParaRPr lang="en-US" dirty="0"/>
           </a:p>
@@ -6471,10 +6497,83 @@
       </p:grpSpPr>
       <p:sp>
         <p:nvSpPr>
-          <p:cNvPr id="1066" name="TextBox 1065">
+          <p:cNvPr id="2" name="Title 1">
             <a:extLst>
               <a:ext uri="{FF2B5EF4-FFF2-40B4-BE49-F238E27FC236}">
-                <a16:creationId xmlns:a16="http://schemas.microsoft.com/office/drawing/2014/main" id="{CD64E00A-5226-D35D-1ACE-03D2D382B8C0}"/>
+                <a16:creationId xmlns:a16="http://schemas.microsoft.com/office/drawing/2014/main" id="{DC7D9BAF-7498-F57D-B509-AE4F2E3F2948}"/>
+              </a:ext>
+            </a:extLst>
+          </p:cNvPr>
+          <p:cNvSpPr>
+            <a:spLocks noGrp="1"/>
+          </p:cNvSpPr>
+          <p:nvPr>
+            <p:ph type="title"/>
+          </p:nvPr>
+        </p:nvSpPr>
+        <p:spPr>
+          <a:xfrm>
+            <a:off x="1393638" y="1650099"/>
+            <a:ext cx="8948541" cy="2638122"/>
+          </a:xfrm>
+        </p:spPr>
+        <p:txBody>
+          <a:bodyPr anchor="ctr"/>
+          <a:lstStyle/>
+          <a:p>
+            <a:pPr algn="ctr"/>
+            <a:r>
+              <a:rPr lang="en-US" sz="8000" b="1" dirty="0">
+                <a:solidFill>
+                  <a:srgbClr val="00B050"/>
+                </a:solidFill>
+                <a:highlight>
+                  <a:srgbClr val="FFFF00"/>
+                </a:highlight>
+                <a:latin typeface="Cambria" panose="02040503050406030204" pitchFamily="18" charset="0"/>
+                <a:ea typeface="Cambria" panose="02040503050406030204" pitchFamily="18" charset="0"/>
+              </a:rPr>
+              <a:t>Sales Analysis with SQL</a:t>
+            </a:r>
+          </a:p>
+        </p:txBody>
+      </p:sp>
+    </p:spTree>
+    <p:extLst>
+      <p:ext uri="{BB962C8B-B14F-4D97-AF65-F5344CB8AC3E}">
+        <p14:creationId xmlns:p14="http://schemas.microsoft.com/office/powerpoint/2010/main" val="1864488109"/>
+      </p:ext>
+    </p:extLst>
+  </p:cSld>
+  <p:clrMapOvr>
+    <a:masterClrMapping/>
+  </p:clrMapOvr>
+</p:sld>
+</file>
+
+<file path=ppt/slides/slide10.xml><?xml version="1.0" encoding="utf-8"?>
+<p:sld xmlns:a="http://schemas.openxmlformats.org/drawingml/2006/main" xmlns:r="http://schemas.openxmlformats.org/officeDocument/2006/relationships" xmlns:p="http://schemas.openxmlformats.org/presentationml/2006/main">
+  <p:cSld>
+    <p:spTree>
+      <p:nvGrpSpPr>
+        <p:cNvPr id="1" name=""/>
+        <p:cNvGrpSpPr/>
+        <p:nvPr/>
+      </p:nvGrpSpPr>
+      <p:grpSpPr>
+        <a:xfrm>
+          <a:off x="0" y="0"/>
+          <a:ext cx="0" cy="0"/>
+          <a:chOff x="0" y="0"/>
+          <a:chExt cx="0" cy="0"/>
+        </a:xfrm>
+      </p:grpSpPr>
+      <p:sp>
+        <p:nvSpPr>
+          <p:cNvPr id="3" name="TextBox 2">
+            <a:extLst>
+              <a:ext uri="{FF2B5EF4-FFF2-40B4-BE49-F238E27FC236}">
+                <a16:creationId xmlns:a16="http://schemas.microsoft.com/office/drawing/2014/main" id="{1E1D8B61-9E09-6F1A-82D0-C2B89EF481CF}"/>
               </a:ext>
             </a:extLst>
           </p:cNvPr>
@@ -6483,8 +6582,8 @@
         </p:nvSpPr>
         <p:spPr>
           <a:xfrm>
-            <a:off x="294290" y="10511"/>
-            <a:ext cx="11372192" cy="5447645"/>
+            <a:off x="0" y="47717"/>
+            <a:ext cx="11225049" cy="2646878"/>
           </a:xfrm>
           <a:prstGeom prst="rect">
             <a:avLst/>
@@ -6497,178 +6596,776 @@
           </a:bodyPr>
           <a:lstStyle/>
           <a:p>
-            <a:pPr>
+            <a:pPr marL="0" marR="0">
+              <a:spcBef>
+                <a:spcPts val="0"/>
+              </a:spcBef>
+              <a:spcAft>
+                <a:spcPts val="800"/>
+              </a:spcAft>
+            </a:pPr>
+            <a:r>
+              <a:rPr lang="en-US" b="1" kern="100" dirty="0">
+                <a:effectLst/>
+                <a:latin typeface="Aharoni" panose="02010803020104030203" pitchFamily="2" charset="-79"/>
+                <a:ea typeface="Calibri" panose="020F0502020204030204" pitchFamily="34" charset="0"/>
+                <a:cs typeface="Aharoni" panose="02010803020104030203" pitchFamily="2" charset="-79"/>
+              </a:rPr>
+              <a:t>#13.	Which product line is most frequently associated with each gender?</a:t>
+            </a:r>
+          </a:p>
+          <a:p>
+            <a:pPr marL="0" marR="0">
+              <a:spcBef>
+                <a:spcPts val="0"/>
+              </a:spcBef>
+              <a:spcAft>
+                <a:spcPts val="800"/>
+              </a:spcAft>
+            </a:pPr>
+            <a:r>
+              <a:rPr lang="en-US" b="1" i="1" kern="100" dirty="0">
+                <a:solidFill>
+                  <a:srgbClr val="FFFF00"/>
+                </a:solidFill>
+                <a:effectLst/>
+                <a:latin typeface="Aharoni" panose="02010803020104030203" pitchFamily="2" charset="-79"/>
+                <a:ea typeface="Calibri" panose="020F0502020204030204" pitchFamily="34" charset="0"/>
+                <a:cs typeface="Aharoni" panose="02010803020104030203" pitchFamily="2" charset="-79"/>
+              </a:rPr>
+              <a:t>SELECT Gender, `Product line`, </a:t>
+            </a:r>
+            <a:r>
+              <a:rPr lang="en-US" b="1" i="1" kern="100" dirty="0" err="1">
+                <a:solidFill>
+                  <a:srgbClr val="FFFF00"/>
+                </a:solidFill>
+                <a:effectLst/>
+                <a:latin typeface="Aharoni" panose="02010803020104030203" pitchFamily="2" charset="-79"/>
+                <a:ea typeface="Calibri" panose="020F0502020204030204" pitchFamily="34" charset="0"/>
+                <a:cs typeface="Aharoni" panose="02010803020104030203" pitchFamily="2" charset="-79"/>
+              </a:rPr>
+              <a:t>purchase_count</a:t>
+            </a:r>
+            <a:endParaRPr lang="en-US" i="1" kern="100" dirty="0">
+              <a:solidFill>
+                <a:srgbClr val="FFFF00"/>
+              </a:solidFill>
+              <a:effectLst/>
+              <a:latin typeface="Aharoni" panose="02010803020104030203" pitchFamily="2" charset="-79"/>
+              <a:ea typeface="Calibri" panose="020F0502020204030204" pitchFamily="34" charset="0"/>
+              <a:cs typeface="Aharoni" panose="02010803020104030203" pitchFamily="2" charset="-79"/>
+            </a:endParaRPr>
+          </a:p>
+          <a:p>
+            <a:pPr marL="0" marR="0">
+              <a:spcBef>
+                <a:spcPts val="0"/>
+              </a:spcBef>
+              <a:spcAft>
+                <a:spcPts val="800"/>
+              </a:spcAft>
+            </a:pPr>
+            <a:r>
+              <a:rPr lang="en-US" b="1" i="1" kern="100" dirty="0">
+                <a:solidFill>
+                  <a:srgbClr val="FFFF00"/>
+                </a:solidFill>
+                <a:effectLst/>
+                <a:latin typeface="Aharoni" panose="02010803020104030203" pitchFamily="2" charset="-79"/>
+                <a:ea typeface="Calibri" panose="020F0502020204030204" pitchFamily="34" charset="0"/>
+                <a:cs typeface="Aharoni" panose="02010803020104030203" pitchFamily="2" charset="-79"/>
+              </a:rPr>
+              <a:t>FROM (</a:t>
+            </a:r>
+            <a:endParaRPr lang="en-US" i="1" kern="100" dirty="0">
+              <a:solidFill>
+                <a:srgbClr val="FFFF00"/>
+              </a:solidFill>
+              <a:effectLst/>
+              <a:latin typeface="Aharoni" panose="02010803020104030203" pitchFamily="2" charset="-79"/>
+              <a:ea typeface="Calibri" panose="020F0502020204030204" pitchFamily="34" charset="0"/>
+              <a:cs typeface="Aharoni" panose="02010803020104030203" pitchFamily="2" charset="-79"/>
+            </a:endParaRPr>
+          </a:p>
+          <a:p>
+            <a:pPr marL="0" marR="0">
+              <a:spcBef>
+                <a:spcPts val="0"/>
+              </a:spcBef>
+              <a:spcAft>
+                <a:spcPts val="800"/>
+              </a:spcAft>
+            </a:pPr>
+            <a:r>
+              <a:rPr lang="en-US" b="1" i="1" kern="100" dirty="0">
+                <a:solidFill>
+                  <a:srgbClr val="FFFF00"/>
+                </a:solidFill>
+                <a:effectLst/>
+                <a:latin typeface="Aharoni" panose="02010803020104030203" pitchFamily="2" charset="-79"/>
+                <a:ea typeface="Calibri" panose="020F0502020204030204" pitchFamily="34" charset="0"/>
+                <a:cs typeface="Aharoni" panose="02010803020104030203" pitchFamily="2" charset="-79"/>
+              </a:rPr>
+              <a:t>    SELECT Gender, `Product line` , COUNT(*) AS </a:t>
+            </a:r>
+            <a:r>
+              <a:rPr lang="en-US" b="1" i="1" kern="100" dirty="0" err="1">
+                <a:solidFill>
+                  <a:srgbClr val="FFFF00"/>
+                </a:solidFill>
+                <a:effectLst/>
+                <a:latin typeface="Aharoni" panose="02010803020104030203" pitchFamily="2" charset="-79"/>
+                <a:ea typeface="Calibri" panose="020F0502020204030204" pitchFamily="34" charset="0"/>
+                <a:cs typeface="Aharoni" panose="02010803020104030203" pitchFamily="2" charset="-79"/>
+              </a:rPr>
+              <a:t>purchase_count</a:t>
+            </a:r>
+            <a:r>
+              <a:rPr lang="en-US" b="1" i="1" kern="100" dirty="0">
+                <a:solidFill>
+                  <a:srgbClr val="FFFF00"/>
+                </a:solidFill>
+                <a:effectLst/>
+                <a:latin typeface="Aharoni" panose="02010803020104030203" pitchFamily="2" charset="-79"/>
+                <a:ea typeface="Calibri" panose="020F0502020204030204" pitchFamily="34" charset="0"/>
+                <a:cs typeface="Aharoni" panose="02010803020104030203" pitchFamily="2" charset="-79"/>
+              </a:rPr>
+              <a:t>,</a:t>
+            </a:r>
+            <a:endParaRPr lang="en-US" i="1" kern="100" dirty="0">
+              <a:solidFill>
+                <a:srgbClr val="FFFF00"/>
+              </a:solidFill>
+              <a:effectLst/>
+              <a:latin typeface="Aharoni" panose="02010803020104030203" pitchFamily="2" charset="-79"/>
+              <a:ea typeface="Calibri" panose="020F0502020204030204" pitchFamily="34" charset="0"/>
+              <a:cs typeface="Aharoni" panose="02010803020104030203" pitchFamily="2" charset="-79"/>
+            </a:endParaRPr>
+          </a:p>
+          <a:p>
+            <a:pPr marL="0" marR="0">
+              <a:spcBef>
+                <a:spcPts val="0"/>
+              </a:spcBef>
+              <a:spcAft>
+                <a:spcPts val="800"/>
+              </a:spcAft>
+            </a:pPr>
+            <a:r>
+              <a:rPr lang="en-US" b="1" i="1" kern="100" dirty="0">
+                <a:solidFill>
+                  <a:srgbClr val="FFFF00"/>
+                </a:solidFill>
+                <a:effectLst/>
+                <a:latin typeface="Aharoni" panose="02010803020104030203" pitchFamily="2" charset="-79"/>
+                <a:ea typeface="Calibri" panose="020F0502020204030204" pitchFamily="34" charset="0"/>
+                <a:cs typeface="Aharoni" panose="02010803020104030203" pitchFamily="2" charset="-79"/>
+              </a:rPr>
+              <a:t>    RANK() OVER (PARTITION BY Gender ORDER BY COUNT(*) DESC) AS </a:t>
+            </a:r>
+            <a:r>
+              <a:rPr lang="en-US" b="1" i="1" kern="100" dirty="0" err="1">
+                <a:solidFill>
+                  <a:srgbClr val="FFFF00"/>
+                </a:solidFill>
+                <a:effectLst/>
+                <a:latin typeface="Aharoni" panose="02010803020104030203" pitchFamily="2" charset="-79"/>
+                <a:ea typeface="Calibri" panose="020F0502020204030204" pitchFamily="34" charset="0"/>
+                <a:cs typeface="Aharoni" panose="02010803020104030203" pitchFamily="2" charset="-79"/>
+              </a:rPr>
+              <a:t>prod_rank</a:t>
+            </a:r>
+            <a:endParaRPr lang="en-US" i="1" kern="100" dirty="0">
+              <a:solidFill>
+                <a:srgbClr val="FFFF00"/>
+              </a:solidFill>
+              <a:effectLst/>
+              <a:latin typeface="Aharoni" panose="02010803020104030203" pitchFamily="2" charset="-79"/>
+              <a:ea typeface="Calibri" panose="020F0502020204030204" pitchFamily="34" charset="0"/>
+              <a:cs typeface="Aharoni" panose="02010803020104030203" pitchFamily="2" charset="-79"/>
+            </a:endParaRPr>
+          </a:p>
+          <a:p>
+            <a:pPr marL="0" marR="0">
+              <a:spcBef>
+                <a:spcPts val="0"/>
+              </a:spcBef>
+              <a:spcAft>
+                <a:spcPts val="800"/>
+              </a:spcAft>
+            </a:pPr>
+            <a:r>
+              <a:rPr lang="en-US" b="1" i="1" kern="100" dirty="0">
+                <a:solidFill>
+                  <a:srgbClr val="FFFF00"/>
+                </a:solidFill>
+                <a:effectLst/>
+                <a:latin typeface="Aharoni" panose="02010803020104030203" pitchFamily="2" charset="-79"/>
+                <a:ea typeface="Calibri" panose="020F0502020204030204" pitchFamily="34" charset="0"/>
+                <a:cs typeface="Aharoni" panose="02010803020104030203" pitchFamily="2" charset="-79"/>
+              </a:rPr>
+              <a:t>    FROM amazon GROUP BY Gender, `Product line`</a:t>
+            </a:r>
+            <a:endParaRPr lang="en-US" i="1" kern="100" dirty="0">
+              <a:solidFill>
+                <a:srgbClr val="FFFF00"/>
+              </a:solidFill>
+              <a:effectLst/>
+              <a:latin typeface="Aharoni" panose="02010803020104030203" pitchFamily="2" charset="-79"/>
+              <a:ea typeface="Calibri" panose="020F0502020204030204" pitchFamily="34" charset="0"/>
+              <a:cs typeface="Aharoni" panose="02010803020104030203" pitchFamily="2" charset="-79"/>
+            </a:endParaRPr>
+          </a:p>
+          <a:p>
+            <a:pPr marL="0" marR="0">
+              <a:spcBef>
+                <a:spcPts val="0"/>
+              </a:spcBef>
+              <a:spcAft>
+                <a:spcPts val="800"/>
+              </a:spcAft>
+            </a:pPr>
+            <a:r>
+              <a:rPr lang="en-US" b="1" i="1" kern="100" dirty="0">
+                <a:solidFill>
+                  <a:srgbClr val="FFFF00"/>
+                </a:solidFill>
+                <a:effectLst/>
+                <a:latin typeface="Aharoni" panose="02010803020104030203" pitchFamily="2" charset="-79"/>
+                <a:ea typeface="Calibri" panose="020F0502020204030204" pitchFamily="34" charset="0"/>
+                <a:cs typeface="Aharoni" panose="02010803020104030203" pitchFamily="2" charset="-79"/>
+              </a:rPr>
+              <a:t>)   AS </a:t>
+            </a:r>
+            <a:r>
+              <a:rPr lang="en-US" b="1" i="1" kern="100" dirty="0" err="1">
+                <a:solidFill>
+                  <a:srgbClr val="FFFF00"/>
+                </a:solidFill>
+                <a:effectLst/>
+                <a:latin typeface="Aharoni" panose="02010803020104030203" pitchFamily="2" charset="-79"/>
+                <a:ea typeface="Calibri" panose="020F0502020204030204" pitchFamily="34" charset="0"/>
+                <a:cs typeface="Aharoni" panose="02010803020104030203" pitchFamily="2" charset="-79"/>
+              </a:rPr>
+              <a:t>gender_product_counts</a:t>
+            </a:r>
+            <a:r>
+              <a:rPr lang="en-US" b="1" i="1" kern="100" dirty="0">
+                <a:solidFill>
+                  <a:srgbClr val="FFFF00"/>
+                </a:solidFill>
+                <a:effectLst/>
+                <a:latin typeface="Aharoni" panose="02010803020104030203" pitchFamily="2" charset="-79"/>
+                <a:ea typeface="Calibri" panose="020F0502020204030204" pitchFamily="34" charset="0"/>
+                <a:cs typeface="Aharoni" panose="02010803020104030203" pitchFamily="2" charset="-79"/>
+              </a:rPr>
+              <a:t> WHERE </a:t>
+            </a:r>
+            <a:r>
+              <a:rPr lang="en-US" b="1" i="1" kern="100" dirty="0" err="1">
+                <a:solidFill>
+                  <a:srgbClr val="FFFF00"/>
+                </a:solidFill>
+                <a:effectLst/>
+                <a:latin typeface="Aharoni" panose="02010803020104030203" pitchFamily="2" charset="-79"/>
+                <a:ea typeface="Calibri" panose="020F0502020204030204" pitchFamily="34" charset="0"/>
+                <a:cs typeface="Aharoni" panose="02010803020104030203" pitchFamily="2" charset="-79"/>
+              </a:rPr>
+              <a:t>prod_rank</a:t>
+            </a:r>
+            <a:r>
+              <a:rPr lang="en-US" b="1" i="1" kern="100" dirty="0">
+                <a:solidFill>
+                  <a:srgbClr val="FFFF00"/>
+                </a:solidFill>
+                <a:effectLst/>
+                <a:latin typeface="Aharoni" panose="02010803020104030203" pitchFamily="2" charset="-79"/>
+                <a:ea typeface="Calibri" panose="020F0502020204030204" pitchFamily="34" charset="0"/>
+                <a:cs typeface="Aharoni" panose="02010803020104030203" pitchFamily="2" charset="-79"/>
+              </a:rPr>
+              <a:t> = 1; </a:t>
+            </a:r>
+            <a:endParaRPr lang="en-US" i="1" kern="100" dirty="0">
+              <a:solidFill>
+                <a:srgbClr val="FFFF00"/>
+              </a:solidFill>
+              <a:effectLst/>
+              <a:latin typeface="Aharoni" panose="02010803020104030203" pitchFamily="2" charset="-79"/>
+              <a:ea typeface="Calibri" panose="020F0502020204030204" pitchFamily="34" charset="0"/>
+              <a:cs typeface="Aharoni" panose="02010803020104030203" pitchFamily="2" charset="-79"/>
+            </a:endParaRPr>
+          </a:p>
+        </p:txBody>
+      </p:sp>
+      <p:sp>
+        <p:nvSpPr>
+          <p:cNvPr id="11" name="TextBox 10">
+            <a:extLst>
+              <a:ext uri="{FF2B5EF4-FFF2-40B4-BE49-F238E27FC236}">
+                <a16:creationId xmlns:a16="http://schemas.microsoft.com/office/drawing/2014/main" id="{37DF0E19-8FB6-6FC5-5338-EDD1C7F19C26}"/>
+              </a:ext>
+            </a:extLst>
+          </p:cNvPr>
+          <p:cNvSpPr txBox="1"/>
+          <p:nvPr/>
+        </p:nvSpPr>
+        <p:spPr>
+          <a:xfrm>
+            <a:off x="4120057" y="4503160"/>
+            <a:ext cx="7954483" cy="1822294"/>
+          </a:xfrm>
+          <a:prstGeom prst="rect">
+            <a:avLst/>
+          </a:prstGeom>
+          <a:noFill/>
+        </p:spPr>
+        <p:txBody>
+          <a:bodyPr wrap="square">
+            <a:spAutoFit/>
+          </a:bodyPr>
+          <a:lstStyle/>
+          <a:p>
+            <a:pPr marL="0" marR="0">
               <a:lnSpc>
                 <a:spcPct val="150000"/>
               </a:lnSpc>
+              <a:spcBef>
+                <a:spcPts val="0"/>
+              </a:spcBef>
+              <a:spcAft>
+                <a:spcPts val="800"/>
+              </a:spcAft>
             </a:pPr>
             <a:r>
-              <a:rPr lang="en-US" sz="5500" b="1" kern="100" dirty="0">
-                <a:solidFill>
-                  <a:srgbClr val="FFFF00"/>
-                </a:solidFill>
-                <a:effectLst/>
-                <a:latin typeface="Aharoni" panose="02010803020104030203" pitchFamily="2" charset="-79"/>
-                <a:ea typeface="Yu Gothic UI" panose="020B0500000000000000" pitchFamily="34" charset="-128"/>
-                <a:cs typeface="Aharoni" panose="02010803020104030203" pitchFamily="2" charset="-79"/>
-              </a:rPr>
-              <a:t>SQL CAPSTONE PROJECT </a:t>
-            </a:r>
-          </a:p>
-          <a:p>
-            <a:pPr algn="just">
+              <a:rPr lang="en-US" b="1" kern="100" dirty="0">
+                <a:effectLst/>
+                <a:latin typeface="Aharoni" panose="02010803020104030203" pitchFamily="2" charset="-79"/>
+                <a:ea typeface="Calibri" panose="020F0502020204030204" pitchFamily="34" charset="0"/>
+                <a:cs typeface="Aharoni" panose="02010803020104030203" pitchFamily="2" charset="-79"/>
+              </a:rPr>
+              <a:t>#15.	Count the sales occurrences for each time of day on every weekday.</a:t>
+            </a:r>
+            <a:endParaRPr lang="en-US" kern="100" dirty="0">
+              <a:effectLst/>
+              <a:latin typeface="Aharoni" panose="02010803020104030203" pitchFamily="2" charset="-79"/>
+              <a:ea typeface="Calibri" panose="020F0502020204030204" pitchFamily="34" charset="0"/>
+              <a:cs typeface="Aharoni" panose="02010803020104030203" pitchFamily="2" charset="-79"/>
+            </a:endParaRPr>
+          </a:p>
+          <a:p>
+            <a:pPr marL="0" marR="0">
               <a:lnSpc>
                 <a:spcPct val="150000"/>
               </a:lnSpc>
+              <a:spcBef>
+                <a:spcPts val="0"/>
+              </a:spcBef>
+              <a:spcAft>
+                <a:spcPts val="800"/>
+              </a:spcAft>
             </a:pPr>
-            <a:endParaRPr lang="en-US" sz="3200" b="1" kern="100" dirty="0">
+            <a:r>
+              <a:rPr lang="en-US" b="1" i="1" kern="100" dirty="0">
+                <a:solidFill>
+                  <a:srgbClr val="FFFF00"/>
+                </a:solidFill>
+                <a:effectLst/>
+                <a:latin typeface="Aharoni" panose="02010803020104030203" pitchFamily="2" charset="-79"/>
+                <a:ea typeface="Calibri" panose="020F0502020204030204" pitchFamily="34" charset="0"/>
+                <a:cs typeface="Aharoni" panose="02010803020104030203" pitchFamily="2" charset="-79"/>
+              </a:rPr>
+              <a:t>SELECT </a:t>
+            </a:r>
+            <a:r>
+              <a:rPr lang="en-US" b="1" i="1" kern="100" dirty="0" err="1">
+                <a:solidFill>
+                  <a:srgbClr val="FFFF00"/>
+                </a:solidFill>
+                <a:effectLst/>
+                <a:latin typeface="Aharoni" panose="02010803020104030203" pitchFamily="2" charset="-79"/>
+                <a:ea typeface="Calibri" panose="020F0502020204030204" pitchFamily="34" charset="0"/>
+                <a:cs typeface="Aharoni" panose="02010803020104030203" pitchFamily="2" charset="-79"/>
+              </a:rPr>
+              <a:t>dayname</a:t>
+            </a:r>
+            <a:r>
+              <a:rPr lang="en-US" b="1" i="1" kern="100" dirty="0">
+                <a:solidFill>
+                  <a:srgbClr val="FFFF00"/>
+                </a:solidFill>
+                <a:effectLst/>
+                <a:latin typeface="Aharoni" panose="02010803020104030203" pitchFamily="2" charset="-79"/>
+                <a:ea typeface="Calibri" panose="020F0502020204030204" pitchFamily="34" charset="0"/>
+                <a:cs typeface="Aharoni" panose="02010803020104030203" pitchFamily="2" charset="-79"/>
+              </a:rPr>
+              <a:t>, </a:t>
+            </a:r>
+            <a:r>
+              <a:rPr lang="en-US" b="1" i="1" kern="100" dirty="0" err="1">
+                <a:solidFill>
+                  <a:srgbClr val="FFFF00"/>
+                </a:solidFill>
+                <a:effectLst/>
+                <a:latin typeface="Aharoni" panose="02010803020104030203" pitchFamily="2" charset="-79"/>
+                <a:ea typeface="Calibri" panose="020F0502020204030204" pitchFamily="34" charset="0"/>
+                <a:cs typeface="Aharoni" panose="02010803020104030203" pitchFamily="2" charset="-79"/>
+              </a:rPr>
+              <a:t>timeofday</a:t>
+            </a:r>
+            <a:r>
+              <a:rPr lang="en-US" b="1" i="1" kern="100" dirty="0">
+                <a:solidFill>
+                  <a:srgbClr val="FFFF00"/>
+                </a:solidFill>
+                <a:effectLst/>
+                <a:latin typeface="Aharoni" panose="02010803020104030203" pitchFamily="2" charset="-79"/>
+                <a:ea typeface="Calibri" panose="020F0502020204030204" pitchFamily="34" charset="0"/>
+                <a:cs typeface="Aharoni" panose="02010803020104030203" pitchFamily="2" charset="-79"/>
+              </a:rPr>
+              <a:t>, count(*) as </a:t>
+            </a:r>
+            <a:r>
+              <a:rPr lang="en-US" b="1" i="1" kern="100" dirty="0" err="1">
+                <a:solidFill>
+                  <a:srgbClr val="FFFF00"/>
+                </a:solidFill>
+                <a:effectLst/>
+                <a:latin typeface="Aharoni" panose="02010803020104030203" pitchFamily="2" charset="-79"/>
+                <a:ea typeface="Calibri" panose="020F0502020204030204" pitchFamily="34" charset="0"/>
+                <a:cs typeface="Aharoni" panose="02010803020104030203" pitchFamily="2" charset="-79"/>
+              </a:rPr>
+              <a:t>sales_occurrences</a:t>
+            </a:r>
+            <a:r>
+              <a:rPr lang="en-US" b="1" i="1" kern="100" dirty="0">
+                <a:solidFill>
+                  <a:srgbClr val="FFFF00"/>
+                </a:solidFill>
+                <a:effectLst/>
+                <a:latin typeface="Aharoni" panose="02010803020104030203" pitchFamily="2" charset="-79"/>
+                <a:ea typeface="Calibri" panose="020F0502020204030204" pitchFamily="34" charset="0"/>
+                <a:cs typeface="Aharoni" panose="02010803020104030203" pitchFamily="2" charset="-79"/>
+              </a:rPr>
+              <a:t> from amazon group by </a:t>
+            </a:r>
+            <a:r>
+              <a:rPr lang="en-US" b="1" i="1" kern="100" dirty="0" err="1">
+                <a:solidFill>
+                  <a:srgbClr val="FFFF00"/>
+                </a:solidFill>
+                <a:effectLst/>
+                <a:latin typeface="Aharoni" panose="02010803020104030203" pitchFamily="2" charset="-79"/>
+                <a:ea typeface="Calibri" panose="020F0502020204030204" pitchFamily="34" charset="0"/>
+                <a:cs typeface="Aharoni" panose="02010803020104030203" pitchFamily="2" charset="-79"/>
+              </a:rPr>
+              <a:t>dayname</a:t>
+            </a:r>
+            <a:r>
+              <a:rPr lang="en-US" b="1" i="1" kern="100" dirty="0">
+                <a:solidFill>
+                  <a:srgbClr val="FFFF00"/>
+                </a:solidFill>
+                <a:effectLst/>
+                <a:latin typeface="Aharoni" panose="02010803020104030203" pitchFamily="2" charset="-79"/>
+                <a:ea typeface="Calibri" panose="020F0502020204030204" pitchFamily="34" charset="0"/>
+                <a:cs typeface="Aharoni" panose="02010803020104030203" pitchFamily="2" charset="-79"/>
+              </a:rPr>
+              <a:t>, </a:t>
+            </a:r>
+            <a:r>
+              <a:rPr lang="en-US" b="1" i="1" kern="100" dirty="0" err="1">
+                <a:solidFill>
+                  <a:srgbClr val="FFFF00"/>
+                </a:solidFill>
+                <a:effectLst/>
+                <a:latin typeface="Aharoni" panose="02010803020104030203" pitchFamily="2" charset="-79"/>
+                <a:ea typeface="Calibri" panose="020F0502020204030204" pitchFamily="34" charset="0"/>
+                <a:cs typeface="Aharoni" panose="02010803020104030203" pitchFamily="2" charset="-79"/>
+              </a:rPr>
+              <a:t>timeofday</a:t>
+            </a:r>
+            <a:r>
+              <a:rPr lang="en-US" b="1" i="1" kern="100" dirty="0">
+                <a:solidFill>
+                  <a:srgbClr val="FFFF00"/>
+                </a:solidFill>
+                <a:effectLst/>
+                <a:latin typeface="Aharoni" panose="02010803020104030203" pitchFamily="2" charset="-79"/>
+                <a:ea typeface="Calibri" panose="020F0502020204030204" pitchFamily="34" charset="0"/>
+                <a:cs typeface="Aharoni" panose="02010803020104030203" pitchFamily="2" charset="-79"/>
+              </a:rPr>
+              <a:t> order by </a:t>
+            </a:r>
+            <a:r>
+              <a:rPr lang="en-US" b="1" i="1" kern="100" dirty="0" err="1">
+                <a:solidFill>
+                  <a:srgbClr val="FFFF00"/>
+                </a:solidFill>
+                <a:effectLst/>
+                <a:latin typeface="Aharoni" panose="02010803020104030203" pitchFamily="2" charset="-79"/>
+                <a:ea typeface="Calibri" panose="020F0502020204030204" pitchFamily="34" charset="0"/>
+                <a:cs typeface="Aharoni" panose="02010803020104030203" pitchFamily="2" charset="-79"/>
+              </a:rPr>
+              <a:t>dayname</a:t>
+            </a:r>
+            <a:r>
+              <a:rPr lang="en-US" b="1" i="1" kern="100" dirty="0">
+                <a:solidFill>
+                  <a:srgbClr val="FFFF00"/>
+                </a:solidFill>
+                <a:effectLst/>
+                <a:latin typeface="Aharoni" panose="02010803020104030203" pitchFamily="2" charset="-79"/>
+                <a:ea typeface="Calibri" panose="020F0502020204030204" pitchFamily="34" charset="0"/>
+                <a:cs typeface="Aharoni" panose="02010803020104030203" pitchFamily="2" charset="-79"/>
+              </a:rPr>
+              <a:t>;</a:t>
+            </a:r>
+            <a:endParaRPr lang="en-US" i="1" kern="100" dirty="0">
               <a:solidFill>
                 <a:srgbClr val="FFFF00"/>
               </a:solidFill>
+              <a:effectLst/>
               <a:latin typeface="Aharoni" panose="02010803020104030203" pitchFamily="2" charset="-79"/>
-              <a:ea typeface="Yu Gothic UI" panose="020B0500000000000000" pitchFamily="34" charset="-128"/>
+              <a:ea typeface="Calibri" panose="020F0502020204030204" pitchFamily="34" charset="0"/>
               <a:cs typeface="Aharoni" panose="02010803020104030203" pitchFamily="2" charset="-79"/>
             </a:endParaRPr>
           </a:p>
-          <a:p>
-            <a:pPr algn="just">
+        </p:txBody>
+      </p:sp>
+      <p:sp>
+        <p:nvSpPr>
+          <p:cNvPr id="14" name="TextBox 13">
+            <a:extLst>
+              <a:ext uri="{FF2B5EF4-FFF2-40B4-BE49-F238E27FC236}">
+                <a16:creationId xmlns:a16="http://schemas.microsoft.com/office/drawing/2014/main" id="{2F00BB76-E5A4-C796-F9E2-8818EE721519}"/>
+              </a:ext>
+            </a:extLst>
+          </p:cNvPr>
+          <p:cNvSpPr txBox="1"/>
+          <p:nvPr/>
+        </p:nvSpPr>
+        <p:spPr>
+          <a:xfrm>
+            <a:off x="81126" y="2601294"/>
+            <a:ext cx="7725104" cy="1822294"/>
+          </a:xfrm>
+          <a:prstGeom prst="rect">
+            <a:avLst/>
+          </a:prstGeom>
+          <a:noFill/>
+        </p:spPr>
+        <p:txBody>
+          <a:bodyPr wrap="square">
+            <a:spAutoFit/>
+          </a:bodyPr>
+          <a:lstStyle/>
+          <a:p>
+            <a:pPr marL="0" marR="0">
               <a:lnSpc>
                 <a:spcPct val="150000"/>
               </a:lnSpc>
+              <a:spcBef>
+                <a:spcPts val="0"/>
+              </a:spcBef>
+              <a:spcAft>
+                <a:spcPts val="800"/>
+              </a:spcAft>
             </a:pPr>
             <a:r>
-              <a:rPr lang="en-US" sz="4400" b="1" kern="100" dirty="0">
-                <a:solidFill>
-                  <a:srgbClr val="FFFF00"/>
-                </a:solidFill>
-                <a:latin typeface="Aharoni" panose="02010803020104030203" pitchFamily="2" charset="-79"/>
-                <a:ea typeface="Yu Gothic UI" panose="020B0500000000000000" pitchFamily="34" charset="-128"/>
-                <a:cs typeface="Aharoni" panose="02010803020104030203" pitchFamily="2" charset="-79"/>
-              </a:rPr>
-              <a:t>Business Problem :  </a:t>
-            </a:r>
-            <a:r>
-              <a:rPr lang="en-US" sz="4400" b="1" kern="100" dirty="0">
-                <a:solidFill>
-                  <a:schemeClr val="tx1">
-                    <a:lumMod val="85000"/>
-                  </a:schemeClr>
-                </a:solidFill>
-                <a:latin typeface="Aharoni" panose="02010803020104030203" pitchFamily="2" charset="-79"/>
-                <a:ea typeface="Yu Gothic UI" panose="020B0500000000000000" pitchFamily="34" charset="-128"/>
-                <a:cs typeface="Aharoni" panose="02010803020104030203" pitchFamily="2" charset="-79"/>
-              </a:rPr>
-              <a:t>To</a:t>
-            </a:r>
-            <a:r>
-              <a:rPr lang="en-US" sz="4400" b="1" kern="100" dirty="0">
-                <a:solidFill>
-                  <a:srgbClr val="FFFF00"/>
-                </a:solidFill>
-                <a:latin typeface="Aharoni" panose="02010803020104030203" pitchFamily="2" charset="-79"/>
-                <a:ea typeface="Yu Gothic UI" panose="020B0500000000000000" pitchFamily="34" charset="-128"/>
-                <a:cs typeface="Aharoni" panose="02010803020104030203" pitchFamily="2" charset="-79"/>
-              </a:rPr>
-              <a:t> </a:t>
-            </a:r>
-            <a:r>
-              <a:rPr lang="en-US" sz="3200" b="1" kern="100" dirty="0">
-                <a:solidFill>
-                  <a:schemeClr val="accent3">
-                    <a:lumMod val="20000"/>
-                    <a:lumOff val="80000"/>
-                  </a:schemeClr>
-                </a:solidFill>
-                <a:latin typeface="Aharoni" panose="02010803020104030203" pitchFamily="2" charset="-79"/>
-                <a:ea typeface="Yu Gothic UI" panose="020B0500000000000000" pitchFamily="34" charset="-128"/>
-                <a:cs typeface="Aharoni" panose="02010803020104030203" pitchFamily="2" charset="-79"/>
-              </a:rPr>
-              <a:t>Analyze </a:t>
-            </a:r>
-            <a:r>
-              <a:rPr lang="en-US" sz="3200" kern="0" dirty="0">
-                <a:solidFill>
-                  <a:schemeClr val="accent3">
-                    <a:lumMod val="20000"/>
-                    <a:lumOff val="80000"/>
-                  </a:schemeClr>
-                </a:solidFill>
-                <a:effectLst/>
-                <a:latin typeface="Aharoni" panose="02010803020104030203" pitchFamily="2" charset="-79"/>
-                <a:ea typeface="Times New Roman" panose="02020603050405020304" pitchFamily="18" charset="0"/>
-                <a:cs typeface="Aharoni" panose="02010803020104030203" pitchFamily="2" charset="-79"/>
-              </a:rPr>
-              <a:t>sales data of Amazon to understand the different factors that affect sales of three different branches</a:t>
-            </a:r>
-            <a:r>
-              <a:rPr lang="en-US" sz="3200" kern="0" dirty="0">
-                <a:solidFill>
-                  <a:schemeClr val="accent3">
-                    <a:lumMod val="20000"/>
-                    <a:lumOff val="80000"/>
-                  </a:schemeClr>
-                </a:solidFill>
-                <a:latin typeface="Aharoni" panose="02010803020104030203" pitchFamily="2" charset="-79"/>
-                <a:ea typeface="Times New Roman" panose="02020603050405020304" pitchFamily="18" charset="0"/>
-                <a:cs typeface="Aharoni" panose="02010803020104030203" pitchFamily="2" charset="-79"/>
-              </a:rPr>
-              <a:t> in </a:t>
-            </a:r>
-            <a:r>
-              <a:rPr lang="en-US" sz="3200" kern="0" dirty="0">
-                <a:solidFill>
-                  <a:schemeClr val="accent3">
-                    <a:lumMod val="20000"/>
-                    <a:lumOff val="80000"/>
-                  </a:schemeClr>
-                </a:solidFill>
-                <a:latin typeface="Arial Black" panose="020B0A04020102020204" pitchFamily="34" charset="0"/>
-                <a:ea typeface="Times New Roman" panose="02020603050405020304" pitchFamily="18" charset="0"/>
-                <a:cs typeface="Aharoni" panose="02010803020104030203" pitchFamily="2" charset="-79"/>
-              </a:rPr>
-              <a:t>3</a:t>
-            </a:r>
-            <a:r>
-              <a:rPr lang="en-US" sz="3200" kern="0" dirty="0">
-                <a:solidFill>
-                  <a:schemeClr val="accent3">
-                    <a:lumMod val="20000"/>
-                    <a:lumOff val="80000"/>
-                  </a:schemeClr>
-                </a:solidFill>
-                <a:latin typeface="Aharoni" panose="02010803020104030203" pitchFamily="2" charset="-79"/>
-                <a:ea typeface="Times New Roman" panose="02020603050405020304" pitchFamily="18" charset="0"/>
-                <a:cs typeface="Aharoni" panose="02010803020104030203" pitchFamily="2" charset="-79"/>
-              </a:rPr>
-              <a:t> different Cities </a:t>
-            </a:r>
-            <a:r>
-              <a:rPr lang="en-US" sz="3600" kern="0" dirty="0">
-                <a:solidFill>
-                  <a:srgbClr val="00B0F0"/>
-                </a:solidFill>
-                <a:latin typeface="Aharoni" panose="02010803020104030203" pitchFamily="2" charset="-79"/>
-                <a:ea typeface="Times New Roman" panose="02020603050405020304" pitchFamily="18" charset="0"/>
-                <a:cs typeface="Aharoni" panose="02010803020104030203" pitchFamily="2" charset="-79"/>
-              </a:rPr>
-              <a:t>Mandalay, Naypyitaw &amp; Yangon.</a:t>
-            </a:r>
-            <a:endParaRPr lang="en-US" sz="3600" kern="0" dirty="0">
+              <a:rPr lang="en-US" b="1" kern="100" dirty="0">
+                <a:effectLst/>
+                <a:latin typeface="Aharoni" panose="02010803020104030203" pitchFamily="2" charset="-79"/>
+                <a:ea typeface="Calibri" panose="020F0502020204030204" pitchFamily="34" charset="0"/>
+                <a:cs typeface="Aharoni" panose="02010803020104030203" pitchFamily="2" charset="-79"/>
+              </a:rPr>
+              <a:t>#14.	Calculate the average rating for each product line.</a:t>
+            </a:r>
+            <a:endParaRPr lang="en-US" kern="100" dirty="0">
+              <a:effectLst/>
+              <a:latin typeface="Aharoni" panose="02010803020104030203" pitchFamily="2" charset="-79"/>
+              <a:ea typeface="Calibri" panose="020F0502020204030204" pitchFamily="34" charset="0"/>
+              <a:cs typeface="Aharoni" panose="02010803020104030203" pitchFamily="2" charset="-79"/>
+            </a:endParaRPr>
+          </a:p>
+          <a:p>
+            <a:pPr marL="0" marR="0">
+              <a:lnSpc>
+                <a:spcPct val="150000"/>
+              </a:lnSpc>
+              <a:spcBef>
+                <a:spcPts val="0"/>
+              </a:spcBef>
+              <a:spcAft>
+                <a:spcPts val="800"/>
+              </a:spcAft>
+            </a:pPr>
+            <a:r>
+              <a:rPr lang="en-US" b="1" i="1" kern="100" dirty="0">
+                <a:solidFill>
+                  <a:srgbClr val="FFFF00"/>
+                </a:solidFill>
+                <a:effectLst/>
+                <a:latin typeface="Aharoni" panose="02010803020104030203" pitchFamily="2" charset="-79"/>
+                <a:ea typeface="Calibri" panose="020F0502020204030204" pitchFamily="34" charset="0"/>
+                <a:cs typeface="Aharoni" panose="02010803020104030203" pitchFamily="2" charset="-79"/>
+              </a:rPr>
+              <a:t>SELECT distinct(`Product line`), avg(Rating) over(partition by `Product line`) as </a:t>
+            </a:r>
+            <a:r>
+              <a:rPr lang="en-US" b="1" i="1" kern="100" dirty="0" err="1">
+                <a:solidFill>
+                  <a:srgbClr val="FFFF00"/>
+                </a:solidFill>
+                <a:effectLst/>
+                <a:latin typeface="Aharoni" panose="02010803020104030203" pitchFamily="2" charset="-79"/>
+                <a:ea typeface="Calibri" panose="020F0502020204030204" pitchFamily="34" charset="0"/>
+                <a:cs typeface="Aharoni" panose="02010803020104030203" pitchFamily="2" charset="-79"/>
+              </a:rPr>
+              <a:t>Avg_Rating_each_Product</a:t>
+            </a:r>
+            <a:r>
+              <a:rPr lang="en-US" b="1" i="1" kern="100" dirty="0">
+                <a:solidFill>
+                  <a:srgbClr val="FFFF00"/>
+                </a:solidFill>
+                <a:effectLst/>
+                <a:latin typeface="Aharoni" panose="02010803020104030203" pitchFamily="2" charset="-79"/>
+                <a:ea typeface="Calibri" panose="020F0502020204030204" pitchFamily="34" charset="0"/>
+                <a:cs typeface="Aharoni" panose="02010803020104030203" pitchFamily="2" charset="-79"/>
+              </a:rPr>
+              <a:t> from amazon  order by </a:t>
+            </a:r>
+            <a:r>
+              <a:rPr lang="en-US" b="1" i="1" kern="100" dirty="0" err="1">
+                <a:solidFill>
+                  <a:srgbClr val="FFFF00"/>
+                </a:solidFill>
+                <a:effectLst/>
+                <a:latin typeface="Aharoni" panose="02010803020104030203" pitchFamily="2" charset="-79"/>
+                <a:ea typeface="Calibri" panose="020F0502020204030204" pitchFamily="34" charset="0"/>
+                <a:cs typeface="Aharoni" panose="02010803020104030203" pitchFamily="2" charset="-79"/>
+              </a:rPr>
+              <a:t>Avg_Rating_each_Product</a:t>
+            </a:r>
+            <a:r>
+              <a:rPr lang="en-US" b="1" i="1" kern="100" dirty="0">
+                <a:solidFill>
+                  <a:srgbClr val="FFFF00"/>
+                </a:solidFill>
+                <a:effectLst/>
+                <a:latin typeface="Aharoni" panose="02010803020104030203" pitchFamily="2" charset="-79"/>
+                <a:ea typeface="Calibri" panose="020F0502020204030204" pitchFamily="34" charset="0"/>
+                <a:cs typeface="Aharoni" panose="02010803020104030203" pitchFamily="2" charset="-79"/>
+              </a:rPr>
+              <a:t> desc;</a:t>
+            </a:r>
+            <a:endParaRPr lang="en-US" i="1" kern="100" dirty="0">
               <a:solidFill>
-                <a:srgbClr val="00B0F0"/>
+                <a:srgbClr val="FFFF00"/>
               </a:solidFill>
               <a:effectLst/>
               <a:latin typeface="Aharoni" panose="02010803020104030203" pitchFamily="2" charset="-79"/>
-              <a:ea typeface="Times New Roman" panose="02020603050405020304" pitchFamily="18" charset="0"/>
+              <a:ea typeface="Calibri" panose="020F0502020204030204" pitchFamily="34" charset="0"/>
               <a:cs typeface="Aharoni" panose="02010803020104030203" pitchFamily="2" charset="-79"/>
             </a:endParaRPr>
           </a:p>
         </p:txBody>
       </p:sp>
+      <p:pic>
+        <p:nvPicPr>
+          <p:cNvPr id="4" name="Picture 3">
+            <a:extLst>
+              <a:ext uri="{FF2B5EF4-FFF2-40B4-BE49-F238E27FC236}">
+                <a16:creationId xmlns:a16="http://schemas.microsoft.com/office/drawing/2014/main" id="{52886A75-C324-0F19-E562-A40C5E992E1B}"/>
+              </a:ext>
+            </a:extLst>
+          </p:cNvPr>
+          <p:cNvPicPr>
+            <a:picLocks noChangeAspect="1"/>
+          </p:cNvPicPr>
+          <p:nvPr/>
+        </p:nvPicPr>
+        <p:blipFill>
+          <a:blip r:embed="rId2"/>
+          <a:stretch>
+            <a:fillRect/>
+          </a:stretch>
+        </p:blipFill>
+        <p:spPr>
+          <a:xfrm>
+            <a:off x="7806231" y="323855"/>
+            <a:ext cx="4268310" cy="1276528"/>
+          </a:xfrm>
+          <a:prstGeom prst="rect">
+            <a:avLst/>
+          </a:prstGeom>
+        </p:spPr>
+      </p:pic>
+      <p:pic>
+        <p:nvPicPr>
+          <p:cNvPr id="6" name="Picture 5">
+            <a:extLst>
+              <a:ext uri="{FF2B5EF4-FFF2-40B4-BE49-F238E27FC236}">
+                <a16:creationId xmlns:a16="http://schemas.microsoft.com/office/drawing/2014/main" id="{F6EB9FFA-FDCF-28BE-5788-AD8E4163135F}"/>
+              </a:ext>
+            </a:extLst>
+          </p:cNvPr>
+          <p:cNvPicPr>
+            <a:picLocks noChangeAspect="1"/>
+          </p:cNvPicPr>
+          <p:nvPr/>
+        </p:nvPicPr>
+        <p:blipFill>
+          <a:blip r:embed="rId3"/>
+          <a:stretch>
+            <a:fillRect/>
+          </a:stretch>
+        </p:blipFill>
+        <p:spPr>
+          <a:xfrm>
+            <a:off x="7806230" y="1890494"/>
+            <a:ext cx="4228637" cy="2665215"/>
+          </a:xfrm>
+          <a:prstGeom prst="rect">
+            <a:avLst/>
+          </a:prstGeom>
+        </p:spPr>
+      </p:pic>
+      <p:pic>
+        <p:nvPicPr>
+          <p:cNvPr id="10" name="Picture 9">
+            <a:extLst>
+              <a:ext uri="{FF2B5EF4-FFF2-40B4-BE49-F238E27FC236}">
+                <a16:creationId xmlns:a16="http://schemas.microsoft.com/office/drawing/2014/main" id="{188B5ECC-BC49-F90F-C4F8-BD76ED3ACDE6}"/>
+              </a:ext>
+            </a:extLst>
+          </p:cNvPr>
+          <p:cNvPicPr>
+            <a:picLocks noChangeAspect="1"/>
+          </p:cNvPicPr>
+          <p:nvPr/>
+        </p:nvPicPr>
+        <p:blipFill>
+          <a:blip r:embed="rId4"/>
+          <a:stretch>
+            <a:fillRect/>
+          </a:stretch>
+        </p:blipFill>
+        <p:spPr>
+          <a:xfrm>
+            <a:off x="451889" y="4500745"/>
+            <a:ext cx="3111118" cy="2279315"/>
+          </a:xfrm>
+          <a:prstGeom prst="rect">
+            <a:avLst/>
+          </a:prstGeom>
+        </p:spPr>
+      </p:pic>
     </p:spTree>
     <p:extLst>
       <p:ext uri="{BB962C8B-B14F-4D97-AF65-F5344CB8AC3E}">
-        <p14:creationId xmlns:p14="http://schemas.microsoft.com/office/powerpoint/2010/main" val="757903774"/>
+        <p14:creationId xmlns:p14="http://schemas.microsoft.com/office/powerpoint/2010/main" val="2676450255"/>
       </p:ext>
     </p:extLst>
   </p:cSld>
@@ -6678,7 +7375,7 @@
 </p:sld>
 </file>
 
-<file path=ppt/slides/slide10.xml><?xml version="1.0" encoding="utf-8"?>
+<file path=ppt/slides/slide11.xml><?xml version="1.0" encoding="utf-8"?>
 <p:sld xmlns:a="http://schemas.openxmlformats.org/drawingml/2006/main" xmlns:r="http://schemas.openxmlformats.org/officeDocument/2006/relationships" xmlns:p="http://schemas.openxmlformats.org/presentationml/2006/main">
   <p:cSld>
     <p:spTree>
@@ -7372,7 +8069,7 @@
         </p:blipFill>
         <p:spPr>
           <a:xfrm>
-            <a:off x="7517111" y="1673309"/>
+            <a:off x="8271641" y="1674391"/>
             <a:ext cx="3403138" cy="2143424"/>
           </a:xfrm>
           <a:prstGeom prst="rect">
@@ -7423,7 +8120,7 @@
 </p:sld>
 </file>
 
-<file path=ppt/slides/slide11.xml><?xml version="1.0" encoding="utf-8"?>
+<file path=ppt/slides/slide12.xml><?xml version="1.0" encoding="utf-8"?>
 <p:sld xmlns:a="http://schemas.openxmlformats.org/drawingml/2006/main" xmlns:r="http://schemas.openxmlformats.org/officeDocument/2006/relationships" xmlns:p="http://schemas.openxmlformats.org/presentationml/2006/main">
   <p:cSld>
     <p:spTree>
@@ -8047,7 +8744,7 @@
         </p:blipFill>
         <p:spPr>
           <a:xfrm>
-            <a:off x="6180082" y="381918"/>
+            <a:off x="6904461" y="338742"/>
             <a:ext cx="3750347" cy="921365"/>
           </a:xfrm>
           <a:prstGeom prst="rect">
@@ -8107,7 +8804,7 @@
         </p:blipFill>
         <p:spPr>
           <a:xfrm>
-            <a:off x="7731774" y="3548086"/>
+            <a:off x="6904461" y="3548086"/>
             <a:ext cx="3617322" cy="1051339"/>
           </a:xfrm>
           <a:prstGeom prst="rect">
@@ -8128,7 +8825,7 @@
 </p:sld>
 </file>
 
-<file path=ppt/slides/slide12.xml><?xml version="1.0" encoding="utf-8"?>
+<file path=ppt/slides/slide13.xml><?xml version="1.0" encoding="utf-8"?>
 <p:sld xmlns:a="http://schemas.openxmlformats.org/drawingml/2006/main" xmlns:r="http://schemas.openxmlformats.org/officeDocument/2006/relationships" xmlns:p="http://schemas.openxmlformats.org/presentationml/2006/main">
   <p:cSld>
     <p:spTree>
@@ -8716,7 +9413,7 @@
         </p:nvSpPr>
         <p:spPr>
           <a:xfrm>
-            <a:off x="3202635" y="4392077"/>
+            <a:off x="3202635" y="4402587"/>
             <a:ext cx="9255672" cy="1979709"/>
           </a:xfrm>
           <a:prstGeom prst="rect">
@@ -9067,7 +9764,7 @@
         </p:blipFill>
         <p:spPr>
           <a:xfrm>
-            <a:off x="8401168" y="2214228"/>
+            <a:off x="8002333" y="2231615"/>
             <a:ext cx="3181794" cy="1914792"/>
           </a:xfrm>
           <a:prstGeom prst="rect">
@@ -9118,7 +9815,7 @@
 </p:sld>
 </file>
 
-<file path=ppt/slides/slide13.xml><?xml version="1.0" encoding="utf-8"?>
+<file path=ppt/slides/slide14.xml><?xml version="1.0" encoding="utf-8"?>
 <p:sld xmlns:a="http://schemas.openxmlformats.org/drawingml/2006/main" xmlns:r="http://schemas.openxmlformats.org/officeDocument/2006/relationships" xmlns:p="http://schemas.openxmlformats.org/presentationml/2006/main">
   <p:cSld>
     <p:spTree>
@@ -10095,7 +10792,7 @@
         </p:blipFill>
         <p:spPr>
           <a:xfrm>
-            <a:off x="7115761" y="3976251"/>
+            <a:off x="7260709" y="4004256"/>
             <a:ext cx="3703634" cy="1899031"/>
           </a:xfrm>
           <a:prstGeom prst="rect">
@@ -10116,7 +10813,7 @@
 </p:sld>
 </file>
 
-<file path=ppt/slides/slide14.xml><?xml version="1.0" encoding="utf-8"?>
+<file path=ppt/slides/slide15.xml><?xml version="1.0" encoding="utf-8"?>
 <p:sld xmlns:a="http://schemas.openxmlformats.org/drawingml/2006/main" xmlns:r="http://schemas.openxmlformats.org/officeDocument/2006/relationships" xmlns:p="http://schemas.openxmlformats.org/presentationml/2006/main">
   <p:cSld>
     <p:spTree>
@@ -11140,7 +11837,7 @@
         </p:blipFill>
         <p:spPr>
           <a:xfrm>
-            <a:off x="7198634" y="3960786"/>
+            <a:off x="7504386" y="3887214"/>
             <a:ext cx="4467849" cy="1781424"/>
           </a:xfrm>
           <a:prstGeom prst="rect">
@@ -11161,7 +11858,7 @@
 </p:sld>
 </file>
 
-<file path=ppt/slides/slide15.xml><?xml version="1.0" encoding="utf-8"?>
+<file path=ppt/slides/slide16.xml><?xml version="1.0" encoding="utf-8"?>
 <p:sld xmlns:a="http://schemas.openxmlformats.org/drawingml/2006/main" xmlns:r="http://schemas.openxmlformats.org/officeDocument/2006/relationships" xmlns:p="http://schemas.openxmlformats.org/presentationml/2006/main">
   <p:cSld>
     <p:spTree>
@@ -11196,8 +11893,8 @@
         </p:nvSpPr>
         <p:spPr>
           <a:xfrm>
-            <a:off x="950911" y="497387"/>
-            <a:ext cx="9404723" cy="5619633"/>
+            <a:off x="1393638" y="1464340"/>
+            <a:ext cx="9404723" cy="2960516"/>
           </a:xfrm>
         </p:spPr>
         <p:txBody>
@@ -11206,13 +11903,13 @@
           <a:p>
             <a:pPr algn="ctr">
               <a:lnSpc>
-                <a:spcPct val="200000"/>
+                <a:spcPct val="150000"/>
               </a:lnSpc>
             </a:pPr>
             <a:r>
               <a:rPr lang="en-US" sz="6000" b="1" dirty="0">
                 <a:solidFill>
-                  <a:srgbClr val="00B0F0"/>
+                  <a:srgbClr val="FFC000"/>
                 </a:solidFill>
                 <a:latin typeface="Aharoni" panose="02010803020104030203" pitchFamily="2" charset="-79"/>
                 <a:cs typeface="Aharoni" panose="02010803020104030203" pitchFamily="2" charset="-79"/>
@@ -11235,7 +11932,7 @@
 </p:sld>
 </file>
 
-<file path=ppt/slides/slide16.xml><?xml version="1.0" encoding="utf-8"?>
+<file path=ppt/slides/slide17.xml><?xml version="1.0" encoding="utf-8"?>
 <p:sld xmlns:a="http://schemas.openxmlformats.org/drawingml/2006/main" xmlns:r="http://schemas.openxmlformats.org/officeDocument/2006/relationships" xmlns:p="http://schemas.openxmlformats.org/presentationml/2006/main">
   <p:cSld>
     <p:spTree>
@@ -11283,7 +11980,7 @@
                 <a:latin typeface="Aharoni" panose="02010803020104030203" pitchFamily="2" charset="-79"/>
                 <a:cs typeface="Aharoni" panose="02010803020104030203" pitchFamily="2" charset="-79"/>
               </a:rPr>
-              <a:t>INSIGHTS from Questions  :</a:t>
+              <a:t>INSIGHTS :</a:t>
             </a:r>
           </a:p>
         </p:txBody>
@@ -11840,7 +12537,7 @@
 </p:sld>
 </file>
 
-<file path=ppt/slides/slide17.xml><?xml version="1.0" encoding="utf-8"?>
+<file path=ppt/slides/slide18.xml><?xml version="1.0" encoding="utf-8"?>
 <p:sld xmlns:a="http://schemas.openxmlformats.org/drawingml/2006/main" xmlns:r="http://schemas.openxmlformats.org/officeDocument/2006/relationships" xmlns:p="http://schemas.openxmlformats.org/presentationml/2006/main">
   <p:cSld>
     <p:spTree>
@@ -12260,7 +12957,7 @@
 </p:sld>
 </file>
 
-<file path=ppt/slides/slide18.xml><?xml version="1.0" encoding="utf-8"?>
+<file path=ppt/slides/slide19.xml><?xml version="1.0" encoding="utf-8"?>
 <p:sld xmlns:a="http://schemas.openxmlformats.org/drawingml/2006/main" xmlns:r="http://schemas.openxmlformats.org/officeDocument/2006/relationships" xmlns:p="http://schemas.openxmlformats.org/presentationml/2006/main">
   <p:cSld>
     <p:spTree>
@@ -12785,7 +13482,190 @@
 </p:sld>
 </file>
 
-<file path=ppt/slides/slide19.xml><?xml version="1.0" encoding="utf-8"?>
+<file path=ppt/slides/slide2.xml><?xml version="1.0" encoding="utf-8"?>
+<p:sld xmlns:a="http://schemas.openxmlformats.org/drawingml/2006/main" xmlns:r="http://schemas.openxmlformats.org/officeDocument/2006/relationships" xmlns:p="http://schemas.openxmlformats.org/presentationml/2006/main">
+  <p:cSld>
+    <p:spTree>
+      <p:nvGrpSpPr>
+        <p:cNvPr id="1" name=""/>
+        <p:cNvGrpSpPr/>
+        <p:nvPr/>
+      </p:nvGrpSpPr>
+      <p:grpSpPr>
+        <a:xfrm>
+          <a:off x="0" y="0"/>
+          <a:ext cx="0" cy="0"/>
+          <a:chOff x="0" y="0"/>
+          <a:chExt cx="0" cy="0"/>
+        </a:xfrm>
+      </p:grpSpPr>
+      <p:sp>
+        <p:nvSpPr>
+          <p:cNvPr id="1066" name="TextBox 1065">
+            <a:extLst>
+              <a:ext uri="{FF2B5EF4-FFF2-40B4-BE49-F238E27FC236}">
+                <a16:creationId xmlns:a16="http://schemas.microsoft.com/office/drawing/2014/main" id="{CD64E00A-5226-D35D-1ACE-03D2D382B8C0}"/>
+              </a:ext>
+            </a:extLst>
+          </p:cNvPr>
+          <p:cNvSpPr txBox="1"/>
+          <p:nvPr/>
+        </p:nvSpPr>
+        <p:spPr>
+          <a:xfrm>
+            <a:off x="294290" y="683172"/>
+            <a:ext cx="11372192" cy="4178067"/>
+          </a:xfrm>
+          <a:prstGeom prst="rect">
+            <a:avLst/>
+          </a:prstGeom>
+          <a:noFill/>
+        </p:spPr>
+        <p:txBody>
+          <a:bodyPr wrap="square">
+            <a:spAutoFit/>
+          </a:bodyPr>
+          <a:lstStyle/>
+          <a:p>
+            <a:pPr algn="just">
+              <a:lnSpc>
+                <a:spcPct val="150000"/>
+              </a:lnSpc>
+            </a:pPr>
+            <a:endParaRPr lang="en-US" sz="3200" b="1" kern="100" dirty="0">
+              <a:solidFill>
+                <a:srgbClr val="FFFF00"/>
+              </a:solidFill>
+              <a:latin typeface="Aharoni" panose="02010803020104030203" pitchFamily="2" charset="-79"/>
+              <a:ea typeface="Yu Gothic UI" panose="020B0500000000000000" pitchFamily="34" charset="-128"/>
+              <a:cs typeface="Aharoni" panose="02010803020104030203" pitchFamily="2" charset="-79"/>
+            </a:endParaRPr>
+          </a:p>
+          <a:p>
+            <a:pPr algn="just">
+              <a:lnSpc>
+                <a:spcPct val="150000"/>
+              </a:lnSpc>
+            </a:pPr>
+            <a:r>
+              <a:rPr lang="en-US" sz="4400" b="1" kern="100" dirty="0">
+                <a:solidFill>
+                  <a:srgbClr val="FFFF00"/>
+                </a:solidFill>
+                <a:latin typeface="Aharoni" panose="02010803020104030203" pitchFamily="2" charset="-79"/>
+                <a:ea typeface="Yu Gothic UI" panose="020B0500000000000000" pitchFamily="34" charset="-128"/>
+                <a:cs typeface="Aharoni" panose="02010803020104030203" pitchFamily="2" charset="-79"/>
+              </a:rPr>
+              <a:t>Business Problem : </a:t>
+            </a:r>
+            <a:r>
+              <a:rPr lang="en-US" sz="3200" b="1" kern="100" dirty="0">
+                <a:solidFill>
+                  <a:schemeClr val="accent3">
+                    <a:lumMod val="20000"/>
+                    <a:lumOff val="80000"/>
+                  </a:schemeClr>
+                </a:solidFill>
+                <a:latin typeface="Aharoni" panose="02010803020104030203" pitchFamily="2" charset="-79"/>
+                <a:ea typeface="Yu Gothic UI" panose="020B0500000000000000" pitchFamily="34" charset="-128"/>
+                <a:cs typeface="Aharoni" panose="02010803020104030203" pitchFamily="2" charset="-79"/>
+              </a:rPr>
+              <a:t>To analyze </a:t>
+            </a:r>
+            <a:r>
+              <a:rPr lang="en-US" sz="3200" kern="0" dirty="0">
+                <a:solidFill>
+                  <a:schemeClr val="accent3">
+                    <a:lumMod val="20000"/>
+                    <a:lumOff val="80000"/>
+                  </a:schemeClr>
+                </a:solidFill>
+                <a:effectLst/>
+                <a:latin typeface="Aharoni" panose="02010803020104030203" pitchFamily="2" charset="-79"/>
+                <a:ea typeface="Times New Roman" panose="02020603050405020304" pitchFamily="18" charset="0"/>
+                <a:cs typeface="Aharoni" panose="02010803020104030203" pitchFamily="2" charset="-79"/>
+              </a:rPr>
+              <a:t>sales data of Amazon to understand the different factors that affect sales of three different branches</a:t>
+            </a:r>
+            <a:r>
+              <a:rPr lang="en-US" sz="3200" kern="0" dirty="0">
+                <a:solidFill>
+                  <a:schemeClr val="accent3">
+                    <a:lumMod val="20000"/>
+                    <a:lumOff val="80000"/>
+                  </a:schemeClr>
+                </a:solidFill>
+                <a:latin typeface="Aharoni" panose="02010803020104030203" pitchFamily="2" charset="-79"/>
+                <a:ea typeface="Times New Roman" panose="02020603050405020304" pitchFamily="18" charset="0"/>
+                <a:cs typeface="Aharoni" panose="02010803020104030203" pitchFamily="2" charset="-79"/>
+              </a:rPr>
+              <a:t> in </a:t>
+            </a:r>
+            <a:r>
+              <a:rPr lang="en-US" sz="3200" kern="0" dirty="0">
+                <a:solidFill>
+                  <a:schemeClr val="accent3">
+                    <a:lumMod val="20000"/>
+                    <a:lumOff val="80000"/>
+                  </a:schemeClr>
+                </a:solidFill>
+                <a:latin typeface="Arial Black" panose="020B0A04020102020204" pitchFamily="34" charset="0"/>
+                <a:ea typeface="Times New Roman" panose="02020603050405020304" pitchFamily="18" charset="0"/>
+                <a:cs typeface="Aharoni" panose="02010803020104030203" pitchFamily="2" charset="-79"/>
+              </a:rPr>
+              <a:t>3</a:t>
+            </a:r>
+            <a:r>
+              <a:rPr lang="en-US" sz="3200" kern="0" dirty="0">
+                <a:solidFill>
+                  <a:schemeClr val="accent3">
+                    <a:lumMod val="20000"/>
+                    <a:lumOff val="80000"/>
+                  </a:schemeClr>
+                </a:solidFill>
+                <a:latin typeface="Aharoni" panose="02010803020104030203" pitchFamily="2" charset="-79"/>
+                <a:ea typeface="Times New Roman" panose="02020603050405020304" pitchFamily="18" charset="0"/>
+                <a:cs typeface="Aharoni" panose="02010803020104030203" pitchFamily="2" charset="-79"/>
+              </a:rPr>
+              <a:t> different Cities </a:t>
+            </a:r>
+            <a:r>
+              <a:rPr lang="en-US" sz="3600" kern="0" dirty="0">
+                <a:solidFill>
+                  <a:srgbClr val="002060"/>
+                </a:solidFill>
+                <a:latin typeface="Aharoni" panose="02010803020104030203" pitchFamily="2" charset="-79"/>
+                <a:ea typeface="Times New Roman" panose="02020603050405020304" pitchFamily="18" charset="0"/>
+                <a:cs typeface="Aharoni" panose="02010803020104030203" pitchFamily="2" charset="-79"/>
+              </a:rPr>
+              <a:t>Mandalay, Naypyitaw &amp; Yangon</a:t>
+            </a:r>
+            <a:endParaRPr lang="en-US" sz="3600" kern="0" dirty="0">
+              <a:solidFill>
+                <a:srgbClr val="00B0F0"/>
+              </a:solidFill>
+              <a:effectLst/>
+              <a:latin typeface="Aharoni" panose="02010803020104030203" pitchFamily="2" charset="-79"/>
+              <a:ea typeface="Times New Roman" panose="02020603050405020304" pitchFamily="18" charset="0"/>
+              <a:cs typeface="Aharoni" panose="02010803020104030203" pitchFamily="2" charset="-79"/>
+            </a:endParaRPr>
+          </a:p>
+        </p:txBody>
+      </p:sp>
+    </p:spTree>
+    <p:extLst>
+      <p:ext uri="{BB962C8B-B14F-4D97-AF65-F5344CB8AC3E}">
+        <p14:creationId xmlns:p14="http://schemas.microsoft.com/office/powerpoint/2010/main" val="757903774"/>
+      </p:ext>
+    </p:extLst>
+  </p:cSld>
+  <p:clrMapOvr>
+    <a:masterClrMapping/>
+  </p:clrMapOvr>
+</p:sld>
+</file>
+
+<file path=ppt/slides/slide20.xml><?xml version="1.0" encoding="utf-8"?>
 <p:sld xmlns:a="http://schemas.openxmlformats.org/drawingml/2006/main" xmlns:r="http://schemas.openxmlformats.org/officeDocument/2006/relationships" xmlns:p="http://schemas.openxmlformats.org/presentationml/2006/main">
   <p:cSld>
     <p:spTree>
@@ -13251,7 +14131,92 @@
 </p:sld>
 </file>
 
-<file path=ppt/slides/slide2.xml><?xml version="1.0" encoding="utf-8"?>
+<file path=ppt/slides/slide21.xml><?xml version="1.0" encoding="utf-8"?>
+<p:sld xmlns:a="http://schemas.openxmlformats.org/drawingml/2006/main" xmlns:r="http://schemas.openxmlformats.org/officeDocument/2006/relationships" xmlns:p="http://schemas.openxmlformats.org/presentationml/2006/main">
+  <p:cSld>
+    <p:spTree>
+      <p:nvGrpSpPr>
+        <p:cNvPr id="1" name=""/>
+        <p:cNvGrpSpPr/>
+        <p:nvPr/>
+      </p:nvGrpSpPr>
+      <p:grpSpPr>
+        <a:xfrm>
+          <a:off x="0" y="0"/>
+          <a:ext cx="0" cy="0"/>
+          <a:chOff x="0" y="0"/>
+          <a:chExt cx="0" cy="0"/>
+        </a:xfrm>
+      </p:grpSpPr>
+      <p:sp>
+        <p:nvSpPr>
+          <p:cNvPr id="2" name="Title 1">
+            <a:extLst>
+              <a:ext uri="{FF2B5EF4-FFF2-40B4-BE49-F238E27FC236}">
+                <a16:creationId xmlns:a16="http://schemas.microsoft.com/office/drawing/2014/main" id="{13939426-6A34-4FCA-411F-51C2D10AE616}"/>
+              </a:ext>
+            </a:extLst>
+          </p:cNvPr>
+          <p:cNvSpPr>
+            <a:spLocks noGrp="1"/>
+          </p:cNvSpPr>
+          <p:nvPr>
+            <p:ph type="title"/>
+          </p:nvPr>
+        </p:nvSpPr>
+        <p:spPr>
+          <a:xfrm>
+            <a:off x="3126553" y="2607339"/>
+            <a:ext cx="5113557" cy="1400530"/>
+          </a:xfrm>
+        </p:spPr>
+        <p:txBody>
+          <a:bodyPr/>
+          <a:lstStyle/>
+          <a:p>
+            <a:r>
+              <a:rPr lang="en-US" sz="5000" b="1" dirty="0">
+                <a:solidFill>
+                  <a:srgbClr val="FFC000"/>
+                </a:solidFill>
+                <a:latin typeface="Aharoni" panose="02010803020104030203" pitchFamily="2" charset="-79"/>
+                <a:cs typeface="Aharoni" panose="02010803020104030203" pitchFamily="2" charset="-79"/>
+              </a:rPr>
+              <a:t>THANK YOU</a:t>
+            </a:r>
+            <a:br>
+              <a:rPr lang="en-US" sz="5000" b="1" dirty="0">
+                <a:solidFill>
+                  <a:srgbClr val="FFC000"/>
+                </a:solidFill>
+                <a:latin typeface="Aharoni" panose="02010803020104030203" pitchFamily="2" charset="-79"/>
+                <a:cs typeface="Aharoni" panose="02010803020104030203" pitchFamily="2" charset="-79"/>
+              </a:rPr>
+            </a:br>
+            <a:endParaRPr lang="en-US" sz="5000" b="1" dirty="0">
+              <a:solidFill>
+                <a:srgbClr val="FFC000"/>
+              </a:solidFill>
+              <a:latin typeface="Aharoni" panose="02010803020104030203" pitchFamily="2" charset="-79"/>
+              <a:cs typeface="Aharoni" panose="02010803020104030203" pitchFamily="2" charset="-79"/>
+            </a:endParaRPr>
+          </a:p>
+        </p:txBody>
+      </p:sp>
+    </p:spTree>
+    <p:extLst>
+      <p:ext uri="{BB962C8B-B14F-4D97-AF65-F5344CB8AC3E}">
+        <p14:creationId xmlns:p14="http://schemas.microsoft.com/office/powerpoint/2010/main" val="725109567"/>
+      </p:ext>
+    </p:extLst>
+  </p:cSld>
+  <p:clrMapOvr>
+    <a:masterClrMapping/>
+  </p:clrMapOvr>
+</p:sld>
+</file>
+
+<file path=ppt/slides/slide3.xml><?xml version="1.0" encoding="utf-8"?>
 <p:sld xmlns:a="http://schemas.openxmlformats.org/drawingml/2006/main" xmlns:r="http://schemas.openxmlformats.org/officeDocument/2006/relationships" xmlns:p="http://schemas.openxmlformats.org/presentationml/2006/main">
   <p:cSld>
     <p:spTree>
@@ -14666,14 +15631,14 @@
                         </a:spcAft>
                       </a:pPr>
                       <a:r>
-                        <a:rPr lang="en-US" sz="1400" kern="0">
+                        <a:rPr lang="en-US" sz="1400" kern="0" dirty="0">
                           <a:effectLst/>
                           <a:latin typeface="Aharoni" panose="02010803020104030203" pitchFamily="2" charset="-79"/>
                           <a:cs typeface="Aharoni" panose="02010803020104030203" pitchFamily="2" charset="-79"/>
                         </a:rPr>
                         <a:t>Gross margin percentage</a:t>
                       </a:r>
-                      <a:endParaRPr lang="en-US" sz="1400" kern="100">
+                      <a:endParaRPr lang="en-US" sz="1400" kern="100" dirty="0">
                         <a:effectLst/>
                         <a:latin typeface="Aharoni" panose="02010803020104030203" pitchFamily="2" charset="-79"/>
                         <a:ea typeface="Calibri" panose="020F0502020204030204" pitchFamily="34" charset="0"/>
@@ -14968,599 +15933,10 @@
           </a:graphicData>
         </a:graphic>
       </p:graphicFrame>
-      <p:sp>
-        <p:nvSpPr>
-          <p:cNvPr id="6" name="TextBox 5">
-            <a:extLst>
-              <a:ext uri="{FF2B5EF4-FFF2-40B4-BE49-F238E27FC236}">
-                <a16:creationId xmlns:a16="http://schemas.microsoft.com/office/drawing/2014/main" id="{855E1674-0784-2498-2F71-B84B882C9F77}"/>
-              </a:ext>
-            </a:extLst>
-          </p:cNvPr>
-          <p:cNvSpPr txBox="1"/>
-          <p:nvPr/>
-        </p:nvSpPr>
-        <p:spPr>
-          <a:xfrm>
-            <a:off x="115613" y="5413651"/>
-            <a:ext cx="11792607" cy="1154162"/>
-          </a:xfrm>
-          <a:prstGeom prst="rect">
-            <a:avLst/>
-          </a:prstGeom>
-          <a:noFill/>
-        </p:spPr>
-        <p:txBody>
-          <a:bodyPr wrap="square" rtlCol="0">
-            <a:spAutoFit/>
-          </a:bodyPr>
-          <a:lstStyle/>
-          <a:p>
-            <a:pPr>
-              <a:lnSpc>
-                <a:spcPct val="150000"/>
-              </a:lnSpc>
-            </a:pPr>
-            <a:r>
-              <a:rPr lang="en-US" sz="2400" b="1" dirty="0">
-                <a:solidFill>
-                  <a:schemeClr val="accent3">
-                    <a:lumMod val="20000"/>
-                    <a:lumOff val="80000"/>
-                  </a:schemeClr>
-                </a:solidFill>
-                <a:latin typeface="Aharoni" panose="02010803020104030203" pitchFamily="2" charset="-79"/>
-                <a:cs typeface="Aharoni" panose="02010803020104030203" pitchFamily="2" charset="-79"/>
-              </a:rPr>
-              <a:t>Breaking the Date column I added 4 more Columns </a:t>
-            </a:r>
-            <a:r>
-              <a:rPr lang="en-US" sz="2400" b="1" dirty="0" err="1">
-                <a:solidFill>
-                  <a:srgbClr val="FFFF00"/>
-                </a:solidFill>
-                <a:latin typeface="Aharoni" panose="02010803020104030203" pitchFamily="2" charset="-79"/>
-                <a:cs typeface="Aharoni" panose="02010803020104030203" pitchFamily="2" charset="-79"/>
-              </a:rPr>
-              <a:t>timeofday</a:t>
-            </a:r>
-            <a:r>
-              <a:rPr lang="en-US" sz="2400" b="1" dirty="0">
-                <a:solidFill>
-                  <a:srgbClr val="FFFF00"/>
-                </a:solidFill>
-                <a:latin typeface="Aharoni" panose="02010803020104030203" pitchFamily="2" charset="-79"/>
-                <a:cs typeface="Aharoni" panose="02010803020104030203" pitchFamily="2" charset="-79"/>
-              </a:rPr>
-              <a:t> , </a:t>
-            </a:r>
-            <a:r>
-              <a:rPr lang="en-US" sz="2400" b="1" dirty="0" err="1">
-                <a:solidFill>
-                  <a:srgbClr val="FFFF00"/>
-                </a:solidFill>
-                <a:latin typeface="Aharoni" panose="02010803020104030203" pitchFamily="2" charset="-79"/>
-                <a:cs typeface="Aharoni" panose="02010803020104030203" pitchFamily="2" charset="-79"/>
-              </a:rPr>
-              <a:t>dayname</a:t>
-            </a:r>
-            <a:r>
-              <a:rPr lang="en-US" sz="2400" b="1" dirty="0">
-                <a:solidFill>
-                  <a:srgbClr val="FFFF00"/>
-                </a:solidFill>
-                <a:latin typeface="Aharoni" panose="02010803020104030203" pitchFamily="2" charset="-79"/>
-                <a:cs typeface="Aharoni" panose="02010803020104030203" pitchFamily="2" charset="-79"/>
-              </a:rPr>
-              <a:t>, </a:t>
-            </a:r>
-            <a:r>
-              <a:rPr lang="en-US" sz="2400" b="1" dirty="0" err="1">
-                <a:solidFill>
-                  <a:srgbClr val="FFFF00"/>
-                </a:solidFill>
-                <a:latin typeface="Aharoni" panose="02010803020104030203" pitchFamily="2" charset="-79"/>
-                <a:cs typeface="Aharoni" panose="02010803020104030203" pitchFamily="2" charset="-79"/>
-              </a:rPr>
-              <a:t>monthname</a:t>
-            </a:r>
-            <a:r>
-              <a:rPr lang="en-US" sz="2400" b="1" dirty="0">
-                <a:solidFill>
-                  <a:srgbClr val="FFFF00"/>
-                </a:solidFill>
-                <a:latin typeface="Aharoni" panose="02010803020104030203" pitchFamily="2" charset="-79"/>
-                <a:cs typeface="Aharoni" panose="02010803020104030203" pitchFamily="2" charset="-79"/>
-              </a:rPr>
-              <a:t>, </a:t>
-            </a:r>
-            <a:r>
-              <a:rPr lang="en-US" sz="2400" b="1" dirty="0" err="1">
-                <a:solidFill>
-                  <a:srgbClr val="FFFF00"/>
-                </a:solidFill>
-                <a:latin typeface="Aharoni" panose="02010803020104030203" pitchFamily="2" charset="-79"/>
-                <a:cs typeface="Aharoni" panose="02010803020104030203" pitchFamily="2" charset="-79"/>
-              </a:rPr>
-              <a:t>weekdayno</a:t>
-            </a:r>
-            <a:r>
-              <a:rPr lang="en-US" sz="2400" b="1" dirty="0">
-                <a:solidFill>
-                  <a:srgbClr val="FFFF00"/>
-                </a:solidFill>
-                <a:latin typeface="Aharoni" panose="02010803020104030203" pitchFamily="2" charset="-79"/>
-                <a:cs typeface="Aharoni" panose="02010803020104030203" pitchFamily="2" charset="-79"/>
-              </a:rPr>
-              <a:t> </a:t>
-            </a:r>
-            <a:r>
-              <a:rPr lang="en-US" sz="2400" b="1" dirty="0">
-                <a:solidFill>
-                  <a:schemeClr val="accent3">
-                    <a:lumMod val="20000"/>
-                    <a:lumOff val="80000"/>
-                  </a:schemeClr>
-                </a:solidFill>
-                <a:latin typeface="Aharoni" panose="02010803020104030203" pitchFamily="2" charset="-79"/>
-                <a:cs typeface="Aharoni" panose="02010803020104030203" pitchFamily="2" charset="-79"/>
-              </a:rPr>
-              <a:t>to the data set. New Dimension – </a:t>
-            </a:r>
-            <a:r>
-              <a:rPr lang="en-US" sz="2400" b="1" dirty="0">
-                <a:solidFill>
-                  <a:schemeClr val="accent3">
-                    <a:lumMod val="20000"/>
-                    <a:lumOff val="80000"/>
-                  </a:schemeClr>
-                </a:solidFill>
-                <a:latin typeface="Algerian" panose="04020705040A02060702" pitchFamily="82" charset="0"/>
-                <a:cs typeface="Aharoni" panose="02010803020104030203" pitchFamily="2" charset="-79"/>
-              </a:rPr>
-              <a:t>21</a:t>
-            </a:r>
-            <a:r>
-              <a:rPr lang="en-US" sz="2400" b="1" dirty="0">
-                <a:solidFill>
-                  <a:schemeClr val="accent3">
-                    <a:lumMod val="20000"/>
-                    <a:lumOff val="80000"/>
-                  </a:schemeClr>
-                </a:solidFill>
-                <a:latin typeface="Aharoni" panose="02010803020104030203" pitchFamily="2" charset="-79"/>
-                <a:cs typeface="Aharoni" panose="02010803020104030203" pitchFamily="2" charset="-79"/>
-              </a:rPr>
-              <a:t> Columns</a:t>
-            </a:r>
-          </a:p>
-        </p:txBody>
-      </p:sp>
     </p:spTree>
     <p:extLst>
       <p:ext uri="{BB962C8B-B14F-4D97-AF65-F5344CB8AC3E}">
         <p14:creationId xmlns:p14="http://schemas.microsoft.com/office/powerpoint/2010/main" val="278536486"/>
-      </p:ext>
-    </p:extLst>
-  </p:cSld>
-  <p:clrMapOvr>
-    <a:masterClrMapping/>
-  </p:clrMapOvr>
-</p:sld>
-</file>
-
-<file path=ppt/slides/slide20.xml><?xml version="1.0" encoding="utf-8"?>
-<p:sld xmlns:a="http://schemas.openxmlformats.org/drawingml/2006/main" xmlns:r="http://schemas.openxmlformats.org/officeDocument/2006/relationships" xmlns:p="http://schemas.openxmlformats.org/presentationml/2006/main">
-  <p:cSld>
-    <p:spTree>
-      <p:nvGrpSpPr>
-        <p:cNvPr id="1" name=""/>
-        <p:cNvGrpSpPr/>
-        <p:nvPr/>
-      </p:nvGrpSpPr>
-      <p:grpSpPr>
-        <a:xfrm>
-          <a:off x="0" y="0"/>
-          <a:ext cx="0" cy="0"/>
-          <a:chOff x="0" y="0"/>
-          <a:chExt cx="0" cy="0"/>
-        </a:xfrm>
-      </p:grpSpPr>
-      <p:sp>
-        <p:nvSpPr>
-          <p:cNvPr id="2" name="Title 1">
-            <a:extLst>
-              <a:ext uri="{FF2B5EF4-FFF2-40B4-BE49-F238E27FC236}">
-                <a16:creationId xmlns:a16="http://schemas.microsoft.com/office/drawing/2014/main" id="{13939426-6A34-4FCA-411F-51C2D10AE616}"/>
-              </a:ext>
-            </a:extLst>
-          </p:cNvPr>
-          <p:cNvSpPr>
-            <a:spLocks noGrp="1"/>
-          </p:cNvSpPr>
-          <p:nvPr>
-            <p:ph type="title"/>
-          </p:nvPr>
-        </p:nvSpPr>
-        <p:spPr>
-          <a:xfrm>
-            <a:off x="3126553" y="2607339"/>
-            <a:ext cx="8928813" cy="1400530"/>
-          </a:xfrm>
-        </p:spPr>
-        <p:txBody>
-          <a:bodyPr/>
-          <a:lstStyle/>
-          <a:p>
-            <a:r>
-              <a:rPr lang="en-US" sz="5000" b="1" dirty="0">
-                <a:solidFill>
-                  <a:schemeClr val="accent1">
-                    <a:lumMod val="60000"/>
-                    <a:lumOff val="40000"/>
-                  </a:schemeClr>
-                </a:solidFill>
-                <a:latin typeface="Aharoni" panose="02010803020104030203" pitchFamily="2" charset="-79"/>
-                <a:cs typeface="Aharoni" panose="02010803020104030203" pitchFamily="2" charset="-79"/>
-              </a:rPr>
-              <a:t>THANK YOU</a:t>
-            </a:r>
-            <a:br>
-              <a:rPr lang="en-US" sz="5000" b="1" dirty="0">
-                <a:solidFill>
-                  <a:schemeClr val="accent1">
-                    <a:lumMod val="60000"/>
-                    <a:lumOff val="40000"/>
-                  </a:schemeClr>
-                </a:solidFill>
-                <a:latin typeface="Aharoni" panose="02010803020104030203" pitchFamily="2" charset="-79"/>
-                <a:cs typeface="Aharoni" panose="02010803020104030203" pitchFamily="2" charset="-79"/>
-              </a:rPr>
-            </a:br>
-            <a:endParaRPr lang="en-US" sz="5000" b="1" dirty="0">
-              <a:solidFill>
-                <a:schemeClr val="accent1">
-                  <a:lumMod val="60000"/>
-                  <a:lumOff val="40000"/>
-                </a:schemeClr>
-              </a:solidFill>
-              <a:latin typeface="Aharoni" panose="02010803020104030203" pitchFamily="2" charset="-79"/>
-              <a:cs typeface="Aharoni" panose="02010803020104030203" pitchFamily="2" charset="-79"/>
-            </a:endParaRPr>
-          </a:p>
-        </p:txBody>
-      </p:sp>
-    </p:spTree>
-    <p:extLst>
-      <p:ext uri="{BB962C8B-B14F-4D97-AF65-F5344CB8AC3E}">
-        <p14:creationId xmlns:p14="http://schemas.microsoft.com/office/powerpoint/2010/main" val="725109567"/>
-      </p:ext>
-    </p:extLst>
-  </p:cSld>
-  <p:clrMapOvr>
-    <a:masterClrMapping/>
-  </p:clrMapOvr>
-</p:sld>
-</file>
-
-<file path=ppt/slides/slide3.xml><?xml version="1.0" encoding="utf-8"?>
-<p:sld xmlns:a="http://schemas.openxmlformats.org/drawingml/2006/main" xmlns:r="http://schemas.openxmlformats.org/officeDocument/2006/relationships" xmlns:p="http://schemas.openxmlformats.org/presentationml/2006/main">
-  <p:cSld>
-    <p:spTree>
-      <p:nvGrpSpPr>
-        <p:cNvPr id="1" name=""/>
-        <p:cNvGrpSpPr/>
-        <p:nvPr/>
-      </p:nvGrpSpPr>
-      <p:grpSpPr>
-        <a:xfrm>
-          <a:off x="0" y="0"/>
-          <a:ext cx="0" cy="0"/>
-          <a:chOff x="0" y="0"/>
-          <a:chExt cx="0" cy="0"/>
-        </a:xfrm>
-      </p:grpSpPr>
-      <p:sp>
-        <p:nvSpPr>
-          <p:cNvPr id="2" name="Title 1">
-            <a:extLst>
-              <a:ext uri="{FF2B5EF4-FFF2-40B4-BE49-F238E27FC236}">
-                <a16:creationId xmlns:a16="http://schemas.microsoft.com/office/drawing/2014/main" id="{4FC61498-472C-3D29-5973-2DF6BB3B5817}"/>
-              </a:ext>
-            </a:extLst>
-          </p:cNvPr>
-          <p:cNvSpPr>
-            <a:spLocks noGrp="1"/>
-          </p:cNvSpPr>
-          <p:nvPr>
-            <p:ph type="title"/>
-          </p:nvPr>
-        </p:nvSpPr>
-        <p:spPr>
-          <a:xfrm>
-            <a:off x="136042" y="316622"/>
-            <a:ext cx="5519115" cy="1137745"/>
-          </a:xfrm>
-        </p:spPr>
-        <p:txBody>
-          <a:bodyPr/>
-          <a:lstStyle/>
-          <a:p>
-            <a:r>
-              <a:rPr lang="en-US" b="1" dirty="0">
-                <a:solidFill>
-                  <a:srgbClr val="FFC000"/>
-                </a:solidFill>
-                <a:latin typeface="Aharoni" panose="02010803020104030203" pitchFamily="2" charset="-79"/>
-                <a:cs typeface="Aharoni" panose="02010803020104030203" pitchFamily="2" charset="-79"/>
-              </a:rPr>
-              <a:t>Platforms Used	</a:t>
-            </a:r>
-          </a:p>
-        </p:txBody>
-      </p:sp>
-      <p:sp>
-        <p:nvSpPr>
-          <p:cNvPr id="3" name="Text Placeholder 2">
-            <a:extLst>
-              <a:ext uri="{FF2B5EF4-FFF2-40B4-BE49-F238E27FC236}">
-                <a16:creationId xmlns:a16="http://schemas.microsoft.com/office/drawing/2014/main" id="{1DB4CFC1-0521-B393-342A-4B6C698378B0}"/>
-              </a:ext>
-            </a:extLst>
-          </p:cNvPr>
-          <p:cNvSpPr>
-            <a:spLocks noGrp="1"/>
-          </p:cNvSpPr>
-          <p:nvPr>
-            <p:ph type="body" sz="half" idx="2"/>
-          </p:nvPr>
-        </p:nvSpPr>
-        <p:spPr>
-          <a:xfrm>
-            <a:off x="136042" y="1516118"/>
-            <a:ext cx="11919916" cy="4456387"/>
-          </a:xfrm>
-        </p:spPr>
-        <p:txBody>
-          <a:bodyPr>
-            <a:normAutofit fontScale="92500" lnSpcReduction="20000"/>
-          </a:bodyPr>
-          <a:lstStyle/>
-          <a:p>
-            <a:pPr marL="285750" indent="-285750">
-              <a:lnSpc>
-                <a:spcPct val="200000"/>
-              </a:lnSpc>
-              <a:buFont typeface="Wingdings" panose="05000000000000000000" pitchFamily="2" charset="2"/>
-              <a:buChar char="q"/>
-            </a:pPr>
-            <a:r>
-              <a:rPr lang="en-US" sz="2400" b="1" dirty="0">
-                <a:latin typeface="Aharoni" panose="02010803020104030203" pitchFamily="2" charset="-79"/>
-                <a:cs typeface="Aharoni" panose="02010803020104030203" pitchFamily="2" charset="-79"/>
-              </a:rPr>
-              <a:t>Queries written on </a:t>
-            </a:r>
-            <a:r>
-              <a:rPr lang="en-US" sz="3000" b="1" dirty="0">
-                <a:solidFill>
-                  <a:schemeClr val="accent2"/>
-                </a:solidFill>
-                <a:latin typeface="Aharoni" panose="02010803020104030203" pitchFamily="2" charset="-79"/>
-                <a:cs typeface="Aharoni" panose="02010803020104030203" pitchFamily="2" charset="-79"/>
-              </a:rPr>
-              <a:t>My SQL Work Bench </a:t>
-            </a:r>
-            <a:r>
-              <a:rPr lang="en-US" sz="2400" b="1" dirty="0">
-                <a:solidFill>
-                  <a:srgbClr val="FFFF00"/>
-                </a:solidFill>
-                <a:latin typeface="Aharoni" panose="02010803020104030203" pitchFamily="2" charset="-79"/>
-                <a:cs typeface="Aharoni" panose="02010803020104030203" pitchFamily="2" charset="-79"/>
-              </a:rPr>
-              <a:t>for Data Retrieval </a:t>
-            </a:r>
-            <a:r>
-              <a:rPr lang="en-US" sz="2400" b="1" dirty="0">
-                <a:latin typeface="Aharoni" panose="02010803020104030203" pitchFamily="2" charset="-79"/>
-                <a:cs typeface="Aharoni" panose="02010803020104030203" pitchFamily="2" charset="-79"/>
-              </a:rPr>
-              <a:t>from the Database.</a:t>
-            </a:r>
-          </a:p>
-          <a:p>
-            <a:pPr marL="742950" lvl="1" indent="-285750">
-              <a:lnSpc>
-                <a:spcPct val="200000"/>
-              </a:lnSpc>
-              <a:buFont typeface="Wingdings" panose="05000000000000000000" pitchFamily="2" charset="2"/>
-              <a:buChar char="q"/>
-            </a:pPr>
-            <a:r>
-              <a:rPr lang="en-US" sz="2400" b="1" dirty="0">
-                <a:latin typeface="Aharoni" panose="02010803020104030203" pitchFamily="2" charset="-79"/>
-                <a:cs typeface="Aharoni" panose="02010803020104030203" pitchFamily="2" charset="-79"/>
-              </a:rPr>
-              <a:t>SQL Functions Used to Retrieve data – </a:t>
-            </a:r>
-            <a:r>
-              <a:rPr lang="en-US" sz="2400" b="1" dirty="0">
-                <a:solidFill>
-                  <a:srgbClr val="FFFF00"/>
-                </a:solidFill>
-                <a:latin typeface="Aharoni" panose="02010803020104030203" pitchFamily="2" charset="-79"/>
-                <a:cs typeface="Aharoni" panose="02010803020104030203" pitchFamily="2" charset="-79"/>
-              </a:rPr>
-              <a:t>Common Table Expressions, Windows Functions(Rank, </a:t>
-            </a:r>
-            <a:r>
-              <a:rPr lang="en-US" sz="2400" b="1" dirty="0" err="1">
-                <a:solidFill>
-                  <a:srgbClr val="FFFF00"/>
-                </a:solidFill>
-                <a:latin typeface="Aharoni" panose="02010803020104030203" pitchFamily="2" charset="-79"/>
-                <a:cs typeface="Aharoni" panose="02010803020104030203" pitchFamily="2" charset="-79"/>
-              </a:rPr>
-              <a:t>Ntile</a:t>
-            </a:r>
-            <a:r>
-              <a:rPr lang="en-US" sz="2400" b="1" dirty="0">
-                <a:solidFill>
-                  <a:srgbClr val="FFFF00"/>
-                </a:solidFill>
-                <a:latin typeface="Aharoni" panose="02010803020104030203" pitchFamily="2" charset="-79"/>
-                <a:cs typeface="Aharoni" panose="02010803020104030203" pitchFamily="2" charset="-79"/>
-              </a:rPr>
-              <a:t>, </a:t>
-            </a:r>
-            <a:r>
-              <a:rPr lang="en-US" sz="2400" b="1" dirty="0" err="1">
-                <a:solidFill>
-                  <a:srgbClr val="FFFF00"/>
-                </a:solidFill>
-                <a:latin typeface="Aharoni" panose="02010803020104030203" pitchFamily="2" charset="-79"/>
-                <a:cs typeface="Aharoni" panose="02010803020104030203" pitchFamily="2" charset="-79"/>
-              </a:rPr>
-              <a:t>Dense_Rank</a:t>
-            </a:r>
-            <a:r>
-              <a:rPr lang="en-US" sz="2400" b="1" dirty="0">
-                <a:solidFill>
-                  <a:srgbClr val="FFFF00"/>
-                </a:solidFill>
-                <a:latin typeface="Aharoni" panose="02010803020104030203" pitchFamily="2" charset="-79"/>
-                <a:cs typeface="Aharoni" panose="02010803020104030203" pitchFamily="2" charset="-79"/>
-              </a:rPr>
-              <a:t>, Count, Sum</a:t>
-            </a:r>
-            <a:r>
-              <a:rPr lang="en-US" sz="2400" b="1">
-                <a:solidFill>
-                  <a:srgbClr val="FFFF00"/>
-                </a:solidFill>
-                <a:latin typeface="Aharoni" panose="02010803020104030203" pitchFamily="2" charset="-79"/>
-                <a:cs typeface="Aharoni" panose="02010803020104030203" pitchFamily="2" charset="-79"/>
-              </a:rPr>
-              <a:t>, Avg, ), </a:t>
-            </a:r>
-            <a:r>
-              <a:rPr lang="en-US" sz="2400" b="1" dirty="0">
-                <a:solidFill>
-                  <a:srgbClr val="FFFF00"/>
-                </a:solidFill>
-                <a:latin typeface="Aharoni" panose="02010803020104030203" pitchFamily="2" charset="-79"/>
-                <a:cs typeface="Aharoni" panose="02010803020104030203" pitchFamily="2" charset="-79"/>
-              </a:rPr>
-              <a:t>Case Expressions, Sub Queries etc.,</a:t>
-            </a:r>
-          </a:p>
-          <a:p>
-            <a:pPr marL="285750" indent="-285750">
-              <a:lnSpc>
-                <a:spcPct val="200000"/>
-              </a:lnSpc>
-              <a:buFont typeface="Wingdings" panose="05000000000000000000" pitchFamily="2" charset="2"/>
-              <a:buChar char="q"/>
-            </a:pPr>
-            <a:r>
-              <a:rPr lang="en-US" sz="3000" b="1" dirty="0" err="1">
-                <a:solidFill>
-                  <a:schemeClr val="accent2"/>
-                </a:solidFill>
-                <a:latin typeface="Aharoni" panose="02010803020104030203" pitchFamily="2" charset="-79"/>
-                <a:cs typeface="Aharoni" panose="02010803020104030203" pitchFamily="2" charset="-79"/>
-              </a:rPr>
-              <a:t>Jupyter</a:t>
-            </a:r>
-            <a:r>
-              <a:rPr lang="en-US" sz="3000" b="1" dirty="0">
-                <a:solidFill>
-                  <a:schemeClr val="accent2"/>
-                </a:solidFill>
-                <a:latin typeface="Aharoni" panose="02010803020104030203" pitchFamily="2" charset="-79"/>
-                <a:cs typeface="Aharoni" panose="02010803020104030203" pitchFamily="2" charset="-79"/>
-              </a:rPr>
-              <a:t> Notebook – </a:t>
-            </a:r>
-            <a:r>
-              <a:rPr lang="en-US" sz="2400" b="1" dirty="0">
-                <a:latin typeface="Aharoni" panose="02010803020104030203" pitchFamily="2" charset="-79"/>
-                <a:cs typeface="Aharoni" panose="02010803020104030203" pitchFamily="2" charset="-79"/>
-              </a:rPr>
-              <a:t>Used </a:t>
-            </a:r>
-            <a:r>
-              <a:rPr lang="en-US" sz="2400" b="1" dirty="0">
-                <a:solidFill>
-                  <a:srgbClr val="FFFF00"/>
-                </a:solidFill>
-                <a:latin typeface="Aharoni" panose="02010803020104030203" pitchFamily="2" charset="-79"/>
-                <a:cs typeface="Aharoni" panose="02010803020104030203" pitchFamily="2" charset="-79"/>
-              </a:rPr>
-              <a:t>pandas </a:t>
-            </a:r>
-            <a:r>
-              <a:rPr lang="en-US" sz="2400" b="1" dirty="0">
-                <a:latin typeface="Aharoni" panose="02010803020104030203" pitchFamily="2" charset="-79"/>
-                <a:cs typeface="Aharoni" panose="02010803020104030203" pitchFamily="2" charset="-79"/>
-              </a:rPr>
-              <a:t>functions for </a:t>
-            </a:r>
-            <a:r>
-              <a:rPr lang="en-US" sz="2400" b="1" dirty="0">
-                <a:solidFill>
-                  <a:srgbClr val="FFFF00"/>
-                </a:solidFill>
-                <a:latin typeface="Aharoni" panose="02010803020104030203" pitchFamily="2" charset="-79"/>
-                <a:cs typeface="Aharoni" panose="02010803020104030203" pitchFamily="2" charset="-79"/>
-              </a:rPr>
-              <a:t>more Analysis </a:t>
-            </a:r>
-            <a:r>
-              <a:rPr lang="en-US" sz="2400" b="1" dirty="0">
-                <a:latin typeface="Aharoni" panose="02010803020104030203" pitchFamily="2" charset="-79"/>
-                <a:cs typeface="Aharoni" panose="02010803020104030203" pitchFamily="2" charset="-79"/>
-              </a:rPr>
-              <a:t>into the data &amp; for more </a:t>
-            </a:r>
-            <a:r>
-              <a:rPr lang="en-US" sz="2400" b="1" dirty="0">
-                <a:solidFill>
-                  <a:srgbClr val="FFFF00"/>
-                </a:solidFill>
-                <a:latin typeface="Aharoni" panose="02010803020104030203" pitchFamily="2" charset="-79"/>
-                <a:cs typeface="Aharoni" panose="02010803020104030203" pitchFamily="2" charset="-79"/>
-              </a:rPr>
-              <a:t>Visual Presentation </a:t>
-            </a:r>
-            <a:r>
-              <a:rPr lang="en-US" sz="2400" b="1" dirty="0">
-                <a:latin typeface="Aharoni" panose="02010803020104030203" pitchFamily="2" charset="-79"/>
-                <a:cs typeface="Aharoni" panose="02010803020104030203" pitchFamily="2" charset="-79"/>
-              </a:rPr>
-              <a:t>on Analysis.	</a:t>
-            </a:r>
-          </a:p>
-          <a:p>
-            <a:pPr marL="285750" indent="-285750">
-              <a:lnSpc>
-                <a:spcPct val="200000"/>
-              </a:lnSpc>
-              <a:buFont typeface="Wingdings" panose="05000000000000000000" pitchFamily="2" charset="2"/>
-              <a:buChar char="q"/>
-            </a:pPr>
-            <a:endParaRPr lang="en-US" sz="2600" b="1" dirty="0">
-              <a:latin typeface="Aharoni" panose="02010803020104030203" pitchFamily="2" charset="-79"/>
-              <a:cs typeface="Aharoni" panose="02010803020104030203" pitchFamily="2" charset="-79"/>
-            </a:endParaRPr>
-          </a:p>
-        </p:txBody>
-      </p:sp>
-    </p:spTree>
-    <p:extLst>
-      <p:ext uri="{BB962C8B-B14F-4D97-AF65-F5344CB8AC3E}">
-        <p14:creationId xmlns:p14="http://schemas.microsoft.com/office/powerpoint/2010/main" val="3637330080"/>
       </p:ext>
     </p:extLst>
   </p:cSld>
@@ -15605,6 +15981,333 @@
         </p:nvSpPr>
         <p:spPr>
           <a:xfrm>
+            <a:off x="136042" y="316622"/>
+            <a:ext cx="5519115" cy="1137745"/>
+          </a:xfrm>
+        </p:spPr>
+        <p:txBody>
+          <a:bodyPr/>
+          <a:lstStyle/>
+          <a:p>
+            <a:r>
+              <a:rPr lang="en-US" b="1" dirty="0">
+                <a:solidFill>
+                  <a:srgbClr val="FFC000"/>
+                </a:solidFill>
+                <a:latin typeface="Aharoni" panose="02010803020104030203" pitchFamily="2" charset="-79"/>
+                <a:cs typeface="Aharoni" panose="02010803020104030203" pitchFamily="2" charset="-79"/>
+              </a:rPr>
+              <a:t>Platforms Used	</a:t>
+            </a:r>
+          </a:p>
+        </p:txBody>
+      </p:sp>
+      <p:sp>
+        <p:nvSpPr>
+          <p:cNvPr id="3" name="Text Placeholder 2">
+            <a:extLst>
+              <a:ext uri="{FF2B5EF4-FFF2-40B4-BE49-F238E27FC236}">
+                <a16:creationId xmlns:a16="http://schemas.microsoft.com/office/drawing/2014/main" id="{1DB4CFC1-0521-B393-342A-4B6C698378B0}"/>
+              </a:ext>
+            </a:extLst>
+          </p:cNvPr>
+          <p:cNvSpPr>
+            <a:spLocks noGrp="1"/>
+          </p:cNvSpPr>
+          <p:nvPr>
+            <p:ph type="body" sz="half" idx="2"/>
+          </p:nvPr>
+        </p:nvSpPr>
+        <p:spPr>
+          <a:xfrm>
+            <a:off x="136042" y="1516118"/>
+            <a:ext cx="11919916" cy="4456387"/>
+          </a:xfrm>
+        </p:spPr>
+        <p:txBody>
+          <a:bodyPr>
+            <a:normAutofit fontScale="92500" lnSpcReduction="20000"/>
+          </a:bodyPr>
+          <a:lstStyle/>
+          <a:p>
+            <a:pPr marL="285750" indent="-285750">
+              <a:lnSpc>
+                <a:spcPct val="200000"/>
+              </a:lnSpc>
+              <a:buFont typeface="Wingdings" panose="05000000000000000000" pitchFamily="2" charset="2"/>
+              <a:buChar char="q"/>
+            </a:pPr>
+            <a:r>
+              <a:rPr lang="en-US" sz="2400" b="1" dirty="0">
+                <a:latin typeface="Aharoni" panose="02010803020104030203" pitchFamily="2" charset="-79"/>
+                <a:cs typeface="Aharoni" panose="02010803020104030203" pitchFamily="2" charset="-79"/>
+              </a:rPr>
+              <a:t>Queries written on </a:t>
+            </a:r>
+            <a:r>
+              <a:rPr lang="en-US" sz="3000" b="1" dirty="0">
+                <a:solidFill>
+                  <a:schemeClr val="accent2"/>
+                </a:solidFill>
+                <a:latin typeface="Aharoni" panose="02010803020104030203" pitchFamily="2" charset="-79"/>
+                <a:cs typeface="Aharoni" panose="02010803020104030203" pitchFamily="2" charset="-79"/>
+              </a:rPr>
+              <a:t>My SQL Work Bench </a:t>
+            </a:r>
+            <a:r>
+              <a:rPr lang="en-US" sz="2400" b="1" dirty="0">
+                <a:solidFill>
+                  <a:srgbClr val="FFFF00"/>
+                </a:solidFill>
+                <a:latin typeface="Aharoni" panose="02010803020104030203" pitchFamily="2" charset="-79"/>
+                <a:cs typeface="Aharoni" panose="02010803020104030203" pitchFamily="2" charset="-79"/>
+              </a:rPr>
+              <a:t>for Data Retrieval </a:t>
+            </a:r>
+            <a:r>
+              <a:rPr lang="en-US" sz="2400" b="1" dirty="0">
+                <a:latin typeface="Aharoni" panose="02010803020104030203" pitchFamily="2" charset="-79"/>
+                <a:cs typeface="Aharoni" panose="02010803020104030203" pitchFamily="2" charset="-79"/>
+              </a:rPr>
+              <a:t>from the Database.</a:t>
+            </a:r>
+          </a:p>
+          <a:p>
+            <a:pPr marL="742950" lvl="1" indent="-285750">
+              <a:lnSpc>
+                <a:spcPct val="200000"/>
+              </a:lnSpc>
+              <a:buFont typeface="Wingdings" panose="05000000000000000000" pitchFamily="2" charset="2"/>
+              <a:buChar char="q"/>
+            </a:pPr>
+            <a:r>
+              <a:rPr lang="en-US" sz="2400" b="1" dirty="0">
+                <a:latin typeface="Aharoni" panose="02010803020104030203" pitchFamily="2" charset="-79"/>
+                <a:cs typeface="Aharoni" panose="02010803020104030203" pitchFamily="2" charset="-79"/>
+              </a:rPr>
+              <a:t>SQL Functions Used to Retrieve data – </a:t>
+            </a:r>
+            <a:r>
+              <a:rPr lang="en-US" sz="2400" b="1" dirty="0">
+                <a:solidFill>
+                  <a:srgbClr val="FFFF00"/>
+                </a:solidFill>
+                <a:latin typeface="Aharoni" panose="02010803020104030203" pitchFamily="2" charset="-79"/>
+                <a:cs typeface="Aharoni" panose="02010803020104030203" pitchFamily="2" charset="-79"/>
+              </a:rPr>
+              <a:t>Common Table Expressions, Windows Functions(Rank, </a:t>
+            </a:r>
+            <a:r>
+              <a:rPr lang="en-US" sz="2400" b="1" dirty="0" err="1">
+                <a:solidFill>
+                  <a:srgbClr val="FFFF00"/>
+                </a:solidFill>
+                <a:latin typeface="Aharoni" panose="02010803020104030203" pitchFamily="2" charset="-79"/>
+                <a:cs typeface="Aharoni" panose="02010803020104030203" pitchFamily="2" charset="-79"/>
+              </a:rPr>
+              <a:t>Ntile</a:t>
+            </a:r>
+            <a:r>
+              <a:rPr lang="en-US" sz="2400" b="1" dirty="0">
+                <a:solidFill>
+                  <a:srgbClr val="FFFF00"/>
+                </a:solidFill>
+                <a:latin typeface="Aharoni" panose="02010803020104030203" pitchFamily="2" charset="-79"/>
+                <a:cs typeface="Aharoni" panose="02010803020104030203" pitchFamily="2" charset="-79"/>
+              </a:rPr>
+              <a:t>, </a:t>
+            </a:r>
+            <a:r>
+              <a:rPr lang="en-US" sz="2400" b="1" dirty="0" err="1">
+                <a:solidFill>
+                  <a:srgbClr val="FFFF00"/>
+                </a:solidFill>
+                <a:latin typeface="Aharoni" panose="02010803020104030203" pitchFamily="2" charset="-79"/>
+                <a:cs typeface="Aharoni" panose="02010803020104030203" pitchFamily="2" charset="-79"/>
+              </a:rPr>
+              <a:t>Dense_Rank</a:t>
+            </a:r>
+            <a:r>
+              <a:rPr lang="en-US" sz="2400" b="1" dirty="0">
+                <a:solidFill>
+                  <a:srgbClr val="FFFF00"/>
+                </a:solidFill>
+                <a:latin typeface="Aharoni" panose="02010803020104030203" pitchFamily="2" charset="-79"/>
+                <a:cs typeface="Aharoni" panose="02010803020104030203" pitchFamily="2" charset="-79"/>
+              </a:rPr>
+              <a:t>, Count, Sum</a:t>
+            </a:r>
+            <a:r>
+              <a:rPr lang="en-US" sz="2400" b="1">
+                <a:solidFill>
+                  <a:srgbClr val="FFFF00"/>
+                </a:solidFill>
+                <a:latin typeface="Aharoni" panose="02010803020104030203" pitchFamily="2" charset="-79"/>
+                <a:cs typeface="Aharoni" panose="02010803020104030203" pitchFamily="2" charset="-79"/>
+              </a:rPr>
+              <a:t>, Avg, ), </a:t>
+            </a:r>
+            <a:r>
+              <a:rPr lang="en-US" sz="2400" b="1" dirty="0">
+                <a:solidFill>
+                  <a:srgbClr val="FFFF00"/>
+                </a:solidFill>
+                <a:latin typeface="Aharoni" panose="02010803020104030203" pitchFamily="2" charset="-79"/>
+                <a:cs typeface="Aharoni" panose="02010803020104030203" pitchFamily="2" charset="-79"/>
+              </a:rPr>
+              <a:t>Case Expressions, Sub Queries etc.,</a:t>
+            </a:r>
+          </a:p>
+          <a:p>
+            <a:pPr marL="285750" indent="-285750">
+              <a:lnSpc>
+                <a:spcPct val="200000"/>
+              </a:lnSpc>
+              <a:buFont typeface="Wingdings" panose="05000000000000000000" pitchFamily="2" charset="2"/>
+              <a:buChar char="q"/>
+            </a:pPr>
+            <a:r>
+              <a:rPr lang="en-US" sz="3000" b="1" dirty="0" err="1">
+                <a:solidFill>
+                  <a:schemeClr val="accent2"/>
+                </a:solidFill>
+                <a:latin typeface="Aharoni" panose="02010803020104030203" pitchFamily="2" charset="-79"/>
+                <a:cs typeface="Aharoni" panose="02010803020104030203" pitchFamily="2" charset="-79"/>
+              </a:rPr>
+              <a:t>Jupyter</a:t>
+            </a:r>
+            <a:r>
+              <a:rPr lang="en-US" sz="3000" b="1" dirty="0">
+                <a:solidFill>
+                  <a:schemeClr val="accent2"/>
+                </a:solidFill>
+                <a:latin typeface="Aharoni" panose="02010803020104030203" pitchFamily="2" charset="-79"/>
+                <a:cs typeface="Aharoni" panose="02010803020104030203" pitchFamily="2" charset="-79"/>
+              </a:rPr>
+              <a:t> Notebook – </a:t>
+            </a:r>
+            <a:r>
+              <a:rPr lang="en-US" sz="2400" b="1" dirty="0">
+                <a:latin typeface="Aharoni" panose="02010803020104030203" pitchFamily="2" charset="-79"/>
+                <a:cs typeface="Aharoni" panose="02010803020104030203" pitchFamily="2" charset="-79"/>
+              </a:rPr>
+              <a:t>Used </a:t>
+            </a:r>
+            <a:r>
+              <a:rPr lang="en-US" sz="2400" b="1" dirty="0">
+                <a:solidFill>
+                  <a:srgbClr val="FFFF00"/>
+                </a:solidFill>
+                <a:latin typeface="Aharoni" panose="02010803020104030203" pitchFamily="2" charset="-79"/>
+                <a:cs typeface="Aharoni" panose="02010803020104030203" pitchFamily="2" charset="-79"/>
+              </a:rPr>
+              <a:t>pandas </a:t>
+            </a:r>
+            <a:r>
+              <a:rPr lang="en-US" sz="2400" b="1" dirty="0">
+                <a:latin typeface="Aharoni" panose="02010803020104030203" pitchFamily="2" charset="-79"/>
+                <a:cs typeface="Aharoni" panose="02010803020104030203" pitchFamily="2" charset="-79"/>
+              </a:rPr>
+              <a:t>functions for </a:t>
+            </a:r>
+            <a:r>
+              <a:rPr lang="en-US" sz="2400" b="1" dirty="0">
+                <a:solidFill>
+                  <a:srgbClr val="FFFF00"/>
+                </a:solidFill>
+                <a:latin typeface="Aharoni" panose="02010803020104030203" pitchFamily="2" charset="-79"/>
+                <a:cs typeface="Aharoni" panose="02010803020104030203" pitchFamily="2" charset="-79"/>
+              </a:rPr>
+              <a:t>more Analysis </a:t>
+            </a:r>
+            <a:r>
+              <a:rPr lang="en-US" sz="2400" b="1" dirty="0">
+                <a:latin typeface="Aharoni" panose="02010803020104030203" pitchFamily="2" charset="-79"/>
+                <a:cs typeface="Aharoni" panose="02010803020104030203" pitchFamily="2" charset="-79"/>
+              </a:rPr>
+              <a:t>into the data &amp; for more </a:t>
+            </a:r>
+            <a:r>
+              <a:rPr lang="en-US" sz="2400" b="1" dirty="0">
+                <a:solidFill>
+                  <a:srgbClr val="FFFF00"/>
+                </a:solidFill>
+                <a:latin typeface="Aharoni" panose="02010803020104030203" pitchFamily="2" charset="-79"/>
+                <a:cs typeface="Aharoni" panose="02010803020104030203" pitchFamily="2" charset="-79"/>
+              </a:rPr>
+              <a:t>Visual Presentation </a:t>
+            </a:r>
+            <a:r>
+              <a:rPr lang="en-US" sz="2400" b="1" dirty="0">
+                <a:latin typeface="Aharoni" panose="02010803020104030203" pitchFamily="2" charset="-79"/>
+                <a:cs typeface="Aharoni" panose="02010803020104030203" pitchFamily="2" charset="-79"/>
+              </a:rPr>
+              <a:t>on Analysis.	</a:t>
+            </a:r>
+          </a:p>
+          <a:p>
+            <a:pPr marL="285750" indent="-285750">
+              <a:lnSpc>
+                <a:spcPct val="200000"/>
+              </a:lnSpc>
+              <a:buFont typeface="Wingdings" panose="05000000000000000000" pitchFamily="2" charset="2"/>
+              <a:buChar char="q"/>
+            </a:pPr>
+            <a:endParaRPr lang="en-US" sz="2600" b="1" dirty="0">
+              <a:latin typeface="Aharoni" panose="02010803020104030203" pitchFamily="2" charset="-79"/>
+              <a:cs typeface="Aharoni" panose="02010803020104030203" pitchFamily="2" charset="-79"/>
+            </a:endParaRPr>
+          </a:p>
+        </p:txBody>
+      </p:sp>
+    </p:spTree>
+    <p:extLst>
+      <p:ext uri="{BB962C8B-B14F-4D97-AF65-F5344CB8AC3E}">
+        <p14:creationId xmlns:p14="http://schemas.microsoft.com/office/powerpoint/2010/main" val="3637330080"/>
+      </p:ext>
+    </p:extLst>
+  </p:cSld>
+  <p:clrMapOvr>
+    <a:masterClrMapping/>
+  </p:clrMapOvr>
+</p:sld>
+</file>
+
+<file path=ppt/slides/slide5.xml><?xml version="1.0" encoding="utf-8"?>
+<p:sld xmlns:a="http://schemas.openxmlformats.org/drawingml/2006/main" xmlns:r="http://schemas.openxmlformats.org/officeDocument/2006/relationships" xmlns:p="http://schemas.openxmlformats.org/presentationml/2006/main">
+  <p:cSld>
+    <p:spTree>
+      <p:nvGrpSpPr>
+        <p:cNvPr id="1" name=""/>
+        <p:cNvGrpSpPr/>
+        <p:nvPr/>
+      </p:nvGrpSpPr>
+      <p:grpSpPr>
+        <a:xfrm>
+          <a:off x="0" y="0"/>
+          <a:ext cx="0" cy="0"/>
+          <a:chOff x="0" y="0"/>
+          <a:chExt cx="0" cy="0"/>
+        </a:xfrm>
+      </p:grpSpPr>
+      <p:sp>
+        <p:nvSpPr>
+          <p:cNvPr id="2" name="Title 1">
+            <a:extLst>
+              <a:ext uri="{FF2B5EF4-FFF2-40B4-BE49-F238E27FC236}">
+                <a16:creationId xmlns:a16="http://schemas.microsoft.com/office/drawing/2014/main" id="{4FC61498-472C-3D29-5973-2DF6BB3B5817}"/>
+              </a:ext>
+            </a:extLst>
+          </p:cNvPr>
+          <p:cNvSpPr>
+            <a:spLocks noGrp="1"/>
+          </p:cNvSpPr>
+          <p:nvPr>
+            <p:ph type="title"/>
+          </p:nvPr>
+        </p:nvSpPr>
+        <p:spPr>
+          <a:xfrm>
             <a:off x="2584952" y="2576346"/>
             <a:ext cx="7305282" cy="1137745"/>
           </a:xfrm>
@@ -15639,7 +16342,7 @@
 </p:sld>
 </file>
 
-<file path=ppt/slides/slide5.xml><?xml version="1.0" encoding="utf-8"?>
+<file path=ppt/slides/slide6.xml><?xml version="1.0" encoding="utf-8"?>
 <p:sld xmlns:a="http://schemas.openxmlformats.org/drawingml/2006/main" xmlns:r="http://schemas.openxmlformats.org/officeDocument/2006/relationships" xmlns:p="http://schemas.openxmlformats.org/presentationml/2006/main">
   <p:cSld>
     <p:spTree>
@@ -16214,7 +16917,7 @@
         </p:blipFill>
         <p:spPr>
           <a:xfrm>
-            <a:off x="7422973" y="348780"/>
+            <a:off x="8587981" y="304603"/>
             <a:ext cx="2372056" cy="971686"/>
           </a:xfrm>
           <a:prstGeom prst="rect">
@@ -16244,7 +16947,7 @@
         </p:blipFill>
         <p:spPr>
           <a:xfrm>
-            <a:off x="7126673" y="1459808"/>
+            <a:off x="8609001" y="1580892"/>
             <a:ext cx="2657846" cy="1848108"/>
           </a:xfrm>
           <a:prstGeom prst="rect">
@@ -16274,7 +16977,7 @@
         </p:blipFill>
         <p:spPr>
           <a:xfrm>
-            <a:off x="8745636" y="3603390"/>
+            <a:off x="8651046" y="3603390"/>
             <a:ext cx="2896004" cy="971686"/>
           </a:xfrm>
           <a:prstGeom prst="rect">
@@ -16304,7 +17007,7 @@
         </p:blipFill>
         <p:spPr>
           <a:xfrm>
-            <a:off x="8300763" y="4923856"/>
+            <a:off x="8693086" y="4815148"/>
             <a:ext cx="2188561" cy="1463436"/>
           </a:xfrm>
           <a:prstGeom prst="rect">
@@ -16325,7 +17028,7 @@
 </p:sld>
 </file>
 
-<file path=ppt/slides/slide6.xml><?xml version="1.0" encoding="utf-8"?>
+<file path=ppt/slides/slide7.xml><?xml version="1.0" encoding="utf-8"?>
 <p:sld xmlns:a="http://schemas.openxmlformats.org/drawingml/2006/main" xmlns:r="http://schemas.openxmlformats.org/officeDocument/2006/relationships" xmlns:p="http://schemas.openxmlformats.org/presentationml/2006/main">
   <p:cSld>
     <p:spTree>
@@ -17266,7 +17969,7 @@
         </p:blipFill>
         <p:spPr>
           <a:xfrm>
-            <a:off x="8958096" y="825193"/>
+            <a:off x="8464110" y="955912"/>
             <a:ext cx="2372056" cy="866896"/>
           </a:xfrm>
           <a:prstGeom prst="rect">
@@ -17296,7 +17999,7 @@
         </p:blipFill>
         <p:spPr>
           <a:xfrm>
-            <a:off x="7714965" y="2333442"/>
+            <a:off x="7967214" y="2333442"/>
             <a:ext cx="4077269" cy="1819529"/>
           </a:xfrm>
           <a:prstGeom prst="rect">
@@ -17347,7 +18050,7 @@
 </p:sld>
 </file>
 
-<file path=ppt/slides/slide7.xml><?xml version="1.0" encoding="utf-8"?>
+<file path=ppt/slides/slide8.xml><?xml version="1.0" encoding="utf-8"?>
 <p:sld xmlns:a="http://schemas.openxmlformats.org/drawingml/2006/main" xmlns:r="http://schemas.openxmlformats.org/officeDocument/2006/relationships" xmlns:p="http://schemas.openxmlformats.org/presentationml/2006/main">
   <p:cSld>
     <p:spTree>
@@ -18197,7 +18900,7 @@
 </p:sld>
 </file>
 
-<file path=ppt/slides/slide8.xml><?xml version="1.0" encoding="utf-8"?>
+<file path=ppt/slides/slide9.xml><?xml version="1.0" encoding="utf-8"?>
 <p:sld xmlns:a="http://schemas.openxmlformats.org/drawingml/2006/main" xmlns:r="http://schemas.openxmlformats.org/officeDocument/2006/relationships" xmlns:p="http://schemas.openxmlformats.org/presentationml/2006/main">
   <p:cSld>
     <p:spTree>
@@ -19146,830 +19849,6 @@
     <p:extLst>
       <p:ext uri="{BB962C8B-B14F-4D97-AF65-F5344CB8AC3E}">
         <p14:creationId xmlns:p14="http://schemas.microsoft.com/office/powerpoint/2010/main" val="1575430544"/>
-      </p:ext>
-    </p:extLst>
-  </p:cSld>
-  <p:clrMapOvr>
-    <a:masterClrMapping/>
-  </p:clrMapOvr>
-</p:sld>
-</file>
-
-<file path=ppt/slides/slide9.xml><?xml version="1.0" encoding="utf-8"?>
-<p:sld xmlns:a="http://schemas.openxmlformats.org/drawingml/2006/main" xmlns:r="http://schemas.openxmlformats.org/officeDocument/2006/relationships" xmlns:p="http://schemas.openxmlformats.org/presentationml/2006/main">
-  <p:cSld>
-    <p:spTree>
-      <p:nvGrpSpPr>
-        <p:cNvPr id="1" name=""/>
-        <p:cNvGrpSpPr/>
-        <p:nvPr/>
-      </p:nvGrpSpPr>
-      <p:grpSpPr>
-        <a:xfrm>
-          <a:off x="0" y="0"/>
-          <a:ext cx="0" cy="0"/>
-          <a:chOff x="0" y="0"/>
-          <a:chExt cx="0" cy="0"/>
-        </a:xfrm>
-      </p:grpSpPr>
-      <p:sp>
-        <p:nvSpPr>
-          <p:cNvPr id="3" name="TextBox 2">
-            <a:extLst>
-              <a:ext uri="{FF2B5EF4-FFF2-40B4-BE49-F238E27FC236}">
-                <a16:creationId xmlns:a16="http://schemas.microsoft.com/office/drawing/2014/main" id="{1E1D8B61-9E09-6F1A-82D0-C2B89EF481CF}"/>
-              </a:ext>
-            </a:extLst>
-          </p:cNvPr>
-          <p:cNvSpPr txBox="1"/>
-          <p:nvPr/>
-        </p:nvSpPr>
-        <p:spPr>
-          <a:xfrm>
-            <a:off x="0" y="47717"/>
-            <a:ext cx="11225049" cy="2646878"/>
-          </a:xfrm>
-          <a:prstGeom prst="rect">
-            <a:avLst/>
-          </a:prstGeom>
-          <a:noFill/>
-        </p:spPr>
-        <p:txBody>
-          <a:bodyPr wrap="square">
-            <a:spAutoFit/>
-          </a:bodyPr>
-          <a:lstStyle/>
-          <a:p>
-            <a:pPr marL="0" marR="0">
-              <a:spcBef>
-                <a:spcPts val="0"/>
-              </a:spcBef>
-              <a:spcAft>
-                <a:spcPts val="800"/>
-              </a:spcAft>
-            </a:pPr>
-            <a:r>
-              <a:rPr lang="en-US" b="1" kern="100" dirty="0">
-                <a:effectLst/>
-                <a:latin typeface="Aharoni" panose="02010803020104030203" pitchFamily="2" charset="-79"/>
-                <a:ea typeface="Calibri" panose="020F0502020204030204" pitchFamily="34" charset="0"/>
-                <a:cs typeface="Aharoni" panose="02010803020104030203" pitchFamily="2" charset="-79"/>
-              </a:rPr>
-              <a:t>#13.	Which product line is most frequently associated with each gender?</a:t>
-            </a:r>
-          </a:p>
-          <a:p>
-            <a:pPr marL="0" marR="0">
-              <a:spcBef>
-                <a:spcPts val="0"/>
-              </a:spcBef>
-              <a:spcAft>
-                <a:spcPts val="800"/>
-              </a:spcAft>
-            </a:pPr>
-            <a:r>
-              <a:rPr lang="en-US" b="1" i="1" kern="100" dirty="0">
-                <a:solidFill>
-                  <a:srgbClr val="FFFF00"/>
-                </a:solidFill>
-                <a:effectLst/>
-                <a:latin typeface="Aharoni" panose="02010803020104030203" pitchFamily="2" charset="-79"/>
-                <a:ea typeface="Calibri" panose="020F0502020204030204" pitchFamily="34" charset="0"/>
-                <a:cs typeface="Aharoni" panose="02010803020104030203" pitchFamily="2" charset="-79"/>
-              </a:rPr>
-              <a:t>SELECT Gender, `Product line`, </a:t>
-            </a:r>
-            <a:r>
-              <a:rPr lang="en-US" b="1" i="1" kern="100" dirty="0" err="1">
-                <a:solidFill>
-                  <a:srgbClr val="FFFF00"/>
-                </a:solidFill>
-                <a:effectLst/>
-                <a:latin typeface="Aharoni" panose="02010803020104030203" pitchFamily="2" charset="-79"/>
-                <a:ea typeface="Calibri" panose="020F0502020204030204" pitchFamily="34" charset="0"/>
-                <a:cs typeface="Aharoni" panose="02010803020104030203" pitchFamily="2" charset="-79"/>
-              </a:rPr>
-              <a:t>purchase_count</a:t>
-            </a:r>
-            <a:endParaRPr lang="en-US" i="1" kern="100" dirty="0">
-              <a:solidFill>
-                <a:srgbClr val="FFFF00"/>
-              </a:solidFill>
-              <a:effectLst/>
-              <a:latin typeface="Aharoni" panose="02010803020104030203" pitchFamily="2" charset="-79"/>
-              <a:ea typeface="Calibri" panose="020F0502020204030204" pitchFamily="34" charset="0"/>
-              <a:cs typeface="Aharoni" panose="02010803020104030203" pitchFamily="2" charset="-79"/>
-            </a:endParaRPr>
-          </a:p>
-          <a:p>
-            <a:pPr marL="0" marR="0">
-              <a:spcBef>
-                <a:spcPts val="0"/>
-              </a:spcBef>
-              <a:spcAft>
-                <a:spcPts val="800"/>
-              </a:spcAft>
-            </a:pPr>
-            <a:r>
-              <a:rPr lang="en-US" b="1" i="1" kern="100" dirty="0">
-                <a:solidFill>
-                  <a:srgbClr val="FFFF00"/>
-                </a:solidFill>
-                <a:effectLst/>
-                <a:latin typeface="Aharoni" panose="02010803020104030203" pitchFamily="2" charset="-79"/>
-                <a:ea typeface="Calibri" panose="020F0502020204030204" pitchFamily="34" charset="0"/>
-                <a:cs typeface="Aharoni" panose="02010803020104030203" pitchFamily="2" charset="-79"/>
-              </a:rPr>
-              <a:t>FROM (</a:t>
-            </a:r>
-            <a:endParaRPr lang="en-US" i="1" kern="100" dirty="0">
-              <a:solidFill>
-                <a:srgbClr val="FFFF00"/>
-              </a:solidFill>
-              <a:effectLst/>
-              <a:latin typeface="Aharoni" panose="02010803020104030203" pitchFamily="2" charset="-79"/>
-              <a:ea typeface="Calibri" panose="020F0502020204030204" pitchFamily="34" charset="0"/>
-              <a:cs typeface="Aharoni" panose="02010803020104030203" pitchFamily="2" charset="-79"/>
-            </a:endParaRPr>
-          </a:p>
-          <a:p>
-            <a:pPr marL="0" marR="0">
-              <a:spcBef>
-                <a:spcPts val="0"/>
-              </a:spcBef>
-              <a:spcAft>
-                <a:spcPts val="800"/>
-              </a:spcAft>
-            </a:pPr>
-            <a:r>
-              <a:rPr lang="en-US" b="1" i="1" kern="100" dirty="0">
-                <a:solidFill>
-                  <a:srgbClr val="FFFF00"/>
-                </a:solidFill>
-                <a:effectLst/>
-                <a:latin typeface="Aharoni" panose="02010803020104030203" pitchFamily="2" charset="-79"/>
-                <a:ea typeface="Calibri" panose="020F0502020204030204" pitchFamily="34" charset="0"/>
-                <a:cs typeface="Aharoni" panose="02010803020104030203" pitchFamily="2" charset="-79"/>
-              </a:rPr>
-              <a:t>    SELECT Gender, `Product line` , COUNT(*) AS </a:t>
-            </a:r>
-            <a:r>
-              <a:rPr lang="en-US" b="1" i="1" kern="100" dirty="0" err="1">
-                <a:solidFill>
-                  <a:srgbClr val="FFFF00"/>
-                </a:solidFill>
-                <a:effectLst/>
-                <a:latin typeface="Aharoni" panose="02010803020104030203" pitchFamily="2" charset="-79"/>
-                <a:ea typeface="Calibri" panose="020F0502020204030204" pitchFamily="34" charset="0"/>
-                <a:cs typeface="Aharoni" panose="02010803020104030203" pitchFamily="2" charset="-79"/>
-              </a:rPr>
-              <a:t>purchase_count</a:t>
-            </a:r>
-            <a:r>
-              <a:rPr lang="en-US" b="1" i="1" kern="100" dirty="0">
-                <a:solidFill>
-                  <a:srgbClr val="FFFF00"/>
-                </a:solidFill>
-                <a:effectLst/>
-                <a:latin typeface="Aharoni" panose="02010803020104030203" pitchFamily="2" charset="-79"/>
-                <a:ea typeface="Calibri" panose="020F0502020204030204" pitchFamily="34" charset="0"/>
-                <a:cs typeface="Aharoni" panose="02010803020104030203" pitchFamily="2" charset="-79"/>
-              </a:rPr>
-              <a:t>,</a:t>
-            </a:r>
-            <a:endParaRPr lang="en-US" i="1" kern="100" dirty="0">
-              <a:solidFill>
-                <a:srgbClr val="FFFF00"/>
-              </a:solidFill>
-              <a:effectLst/>
-              <a:latin typeface="Aharoni" panose="02010803020104030203" pitchFamily="2" charset="-79"/>
-              <a:ea typeface="Calibri" panose="020F0502020204030204" pitchFamily="34" charset="0"/>
-              <a:cs typeface="Aharoni" panose="02010803020104030203" pitchFamily="2" charset="-79"/>
-            </a:endParaRPr>
-          </a:p>
-          <a:p>
-            <a:pPr marL="0" marR="0">
-              <a:spcBef>
-                <a:spcPts val="0"/>
-              </a:spcBef>
-              <a:spcAft>
-                <a:spcPts val="800"/>
-              </a:spcAft>
-            </a:pPr>
-            <a:r>
-              <a:rPr lang="en-US" b="1" i="1" kern="100" dirty="0">
-                <a:solidFill>
-                  <a:srgbClr val="FFFF00"/>
-                </a:solidFill>
-                <a:effectLst/>
-                <a:latin typeface="Aharoni" panose="02010803020104030203" pitchFamily="2" charset="-79"/>
-                <a:ea typeface="Calibri" panose="020F0502020204030204" pitchFamily="34" charset="0"/>
-                <a:cs typeface="Aharoni" panose="02010803020104030203" pitchFamily="2" charset="-79"/>
-              </a:rPr>
-              <a:t>    RANK() OVER (PARTITION BY Gender ORDER BY COUNT(*) DESC) AS </a:t>
-            </a:r>
-            <a:r>
-              <a:rPr lang="en-US" b="1" i="1" kern="100" dirty="0" err="1">
-                <a:solidFill>
-                  <a:srgbClr val="FFFF00"/>
-                </a:solidFill>
-                <a:effectLst/>
-                <a:latin typeface="Aharoni" panose="02010803020104030203" pitchFamily="2" charset="-79"/>
-                <a:ea typeface="Calibri" panose="020F0502020204030204" pitchFamily="34" charset="0"/>
-                <a:cs typeface="Aharoni" panose="02010803020104030203" pitchFamily="2" charset="-79"/>
-              </a:rPr>
-              <a:t>prod_rank</a:t>
-            </a:r>
-            <a:endParaRPr lang="en-US" i="1" kern="100" dirty="0">
-              <a:solidFill>
-                <a:srgbClr val="FFFF00"/>
-              </a:solidFill>
-              <a:effectLst/>
-              <a:latin typeface="Aharoni" panose="02010803020104030203" pitchFamily="2" charset="-79"/>
-              <a:ea typeface="Calibri" panose="020F0502020204030204" pitchFamily="34" charset="0"/>
-              <a:cs typeface="Aharoni" panose="02010803020104030203" pitchFamily="2" charset="-79"/>
-            </a:endParaRPr>
-          </a:p>
-          <a:p>
-            <a:pPr marL="0" marR="0">
-              <a:spcBef>
-                <a:spcPts val="0"/>
-              </a:spcBef>
-              <a:spcAft>
-                <a:spcPts val="800"/>
-              </a:spcAft>
-            </a:pPr>
-            <a:r>
-              <a:rPr lang="en-US" b="1" i="1" kern="100" dirty="0">
-                <a:solidFill>
-                  <a:srgbClr val="FFFF00"/>
-                </a:solidFill>
-                <a:effectLst/>
-                <a:latin typeface="Aharoni" panose="02010803020104030203" pitchFamily="2" charset="-79"/>
-                <a:ea typeface="Calibri" panose="020F0502020204030204" pitchFamily="34" charset="0"/>
-                <a:cs typeface="Aharoni" panose="02010803020104030203" pitchFamily="2" charset="-79"/>
-              </a:rPr>
-              <a:t>    FROM amazon GROUP BY Gender, `Product line`</a:t>
-            </a:r>
-            <a:endParaRPr lang="en-US" i="1" kern="100" dirty="0">
-              <a:solidFill>
-                <a:srgbClr val="FFFF00"/>
-              </a:solidFill>
-              <a:effectLst/>
-              <a:latin typeface="Aharoni" panose="02010803020104030203" pitchFamily="2" charset="-79"/>
-              <a:ea typeface="Calibri" panose="020F0502020204030204" pitchFamily="34" charset="0"/>
-              <a:cs typeface="Aharoni" panose="02010803020104030203" pitchFamily="2" charset="-79"/>
-            </a:endParaRPr>
-          </a:p>
-          <a:p>
-            <a:pPr marL="0" marR="0">
-              <a:spcBef>
-                <a:spcPts val="0"/>
-              </a:spcBef>
-              <a:spcAft>
-                <a:spcPts val="800"/>
-              </a:spcAft>
-            </a:pPr>
-            <a:r>
-              <a:rPr lang="en-US" b="1" i="1" kern="100" dirty="0">
-                <a:solidFill>
-                  <a:srgbClr val="FFFF00"/>
-                </a:solidFill>
-                <a:effectLst/>
-                <a:latin typeface="Aharoni" panose="02010803020104030203" pitchFamily="2" charset="-79"/>
-                <a:ea typeface="Calibri" panose="020F0502020204030204" pitchFamily="34" charset="0"/>
-                <a:cs typeface="Aharoni" panose="02010803020104030203" pitchFamily="2" charset="-79"/>
-              </a:rPr>
-              <a:t>)   AS </a:t>
-            </a:r>
-            <a:r>
-              <a:rPr lang="en-US" b="1" i="1" kern="100" dirty="0" err="1">
-                <a:solidFill>
-                  <a:srgbClr val="FFFF00"/>
-                </a:solidFill>
-                <a:effectLst/>
-                <a:latin typeface="Aharoni" panose="02010803020104030203" pitchFamily="2" charset="-79"/>
-                <a:ea typeface="Calibri" panose="020F0502020204030204" pitchFamily="34" charset="0"/>
-                <a:cs typeface="Aharoni" panose="02010803020104030203" pitchFamily="2" charset="-79"/>
-              </a:rPr>
-              <a:t>gender_product_counts</a:t>
-            </a:r>
-            <a:r>
-              <a:rPr lang="en-US" b="1" i="1" kern="100" dirty="0">
-                <a:solidFill>
-                  <a:srgbClr val="FFFF00"/>
-                </a:solidFill>
-                <a:effectLst/>
-                <a:latin typeface="Aharoni" panose="02010803020104030203" pitchFamily="2" charset="-79"/>
-                <a:ea typeface="Calibri" panose="020F0502020204030204" pitchFamily="34" charset="0"/>
-                <a:cs typeface="Aharoni" panose="02010803020104030203" pitchFamily="2" charset="-79"/>
-              </a:rPr>
-              <a:t> WHERE </a:t>
-            </a:r>
-            <a:r>
-              <a:rPr lang="en-US" b="1" i="1" kern="100" dirty="0" err="1">
-                <a:solidFill>
-                  <a:srgbClr val="FFFF00"/>
-                </a:solidFill>
-                <a:effectLst/>
-                <a:latin typeface="Aharoni" panose="02010803020104030203" pitchFamily="2" charset="-79"/>
-                <a:ea typeface="Calibri" panose="020F0502020204030204" pitchFamily="34" charset="0"/>
-                <a:cs typeface="Aharoni" panose="02010803020104030203" pitchFamily="2" charset="-79"/>
-              </a:rPr>
-              <a:t>prod_rank</a:t>
-            </a:r>
-            <a:r>
-              <a:rPr lang="en-US" b="1" i="1" kern="100" dirty="0">
-                <a:solidFill>
-                  <a:srgbClr val="FFFF00"/>
-                </a:solidFill>
-                <a:effectLst/>
-                <a:latin typeface="Aharoni" panose="02010803020104030203" pitchFamily="2" charset="-79"/>
-                <a:ea typeface="Calibri" panose="020F0502020204030204" pitchFamily="34" charset="0"/>
-                <a:cs typeface="Aharoni" panose="02010803020104030203" pitchFamily="2" charset="-79"/>
-              </a:rPr>
-              <a:t> = 1; </a:t>
-            </a:r>
-            <a:endParaRPr lang="en-US" i="1" kern="100" dirty="0">
-              <a:solidFill>
-                <a:srgbClr val="FFFF00"/>
-              </a:solidFill>
-              <a:effectLst/>
-              <a:latin typeface="Aharoni" panose="02010803020104030203" pitchFamily="2" charset="-79"/>
-              <a:ea typeface="Calibri" panose="020F0502020204030204" pitchFamily="34" charset="0"/>
-              <a:cs typeface="Aharoni" panose="02010803020104030203" pitchFamily="2" charset="-79"/>
-            </a:endParaRPr>
-          </a:p>
-        </p:txBody>
-      </p:sp>
-      <p:sp>
-        <p:nvSpPr>
-          <p:cNvPr id="11" name="TextBox 10">
-            <a:extLst>
-              <a:ext uri="{FF2B5EF4-FFF2-40B4-BE49-F238E27FC236}">
-                <a16:creationId xmlns:a16="http://schemas.microsoft.com/office/drawing/2014/main" id="{37DF0E19-8FB6-6FC5-5338-EDD1C7F19C26}"/>
-              </a:ext>
-            </a:extLst>
-          </p:cNvPr>
-          <p:cNvSpPr txBox="1"/>
-          <p:nvPr/>
-        </p:nvSpPr>
-        <p:spPr>
-          <a:xfrm>
-            <a:off x="4120057" y="4503160"/>
-            <a:ext cx="7954483" cy="1822294"/>
-          </a:xfrm>
-          <a:prstGeom prst="rect">
-            <a:avLst/>
-          </a:prstGeom>
-          <a:noFill/>
-        </p:spPr>
-        <p:txBody>
-          <a:bodyPr wrap="square">
-            <a:spAutoFit/>
-          </a:bodyPr>
-          <a:lstStyle/>
-          <a:p>
-            <a:pPr marL="0" marR="0">
-              <a:lnSpc>
-                <a:spcPct val="150000"/>
-              </a:lnSpc>
-              <a:spcBef>
-                <a:spcPts val="0"/>
-              </a:spcBef>
-              <a:spcAft>
-                <a:spcPts val="800"/>
-              </a:spcAft>
-            </a:pPr>
-            <a:r>
-              <a:rPr lang="en-US" b="1" kern="100" dirty="0">
-                <a:effectLst/>
-                <a:latin typeface="Aharoni" panose="02010803020104030203" pitchFamily="2" charset="-79"/>
-                <a:ea typeface="Calibri" panose="020F0502020204030204" pitchFamily="34" charset="0"/>
-                <a:cs typeface="Aharoni" panose="02010803020104030203" pitchFamily="2" charset="-79"/>
-              </a:rPr>
-              <a:t>#15.	Count the sales occurrences for each time of day on every weekday.</a:t>
-            </a:r>
-            <a:endParaRPr lang="en-US" kern="100" dirty="0">
-              <a:effectLst/>
-              <a:latin typeface="Aharoni" panose="02010803020104030203" pitchFamily="2" charset="-79"/>
-              <a:ea typeface="Calibri" panose="020F0502020204030204" pitchFamily="34" charset="0"/>
-              <a:cs typeface="Aharoni" panose="02010803020104030203" pitchFamily="2" charset="-79"/>
-            </a:endParaRPr>
-          </a:p>
-          <a:p>
-            <a:pPr marL="0" marR="0">
-              <a:lnSpc>
-                <a:spcPct val="150000"/>
-              </a:lnSpc>
-              <a:spcBef>
-                <a:spcPts val="0"/>
-              </a:spcBef>
-              <a:spcAft>
-                <a:spcPts val="800"/>
-              </a:spcAft>
-            </a:pPr>
-            <a:r>
-              <a:rPr lang="en-US" b="1" i="1" kern="100" dirty="0">
-                <a:solidFill>
-                  <a:srgbClr val="FFFF00"/>
-                </a:solidFill>
-                <a:effectLst/>
-                <a:latin typeface="Aharoni" panose="02010803020104030203" pitchFamily="2" charset="-79"/>
-                <a:ea typeface="Calibri" panose="020F0502020204030204" pitchFamily="34" charset="0"/>
-                <a:cs typeface="Aharoni" panose="02010803020104030203" pitchFamily="2" charset="-79"/>
-              </a:rPr>
-              <a:t>SELECT </a:t>
-            </a:r>
-            <a:r>
-              <a:rPr lang="en-US" b="1" i="1" kern="100" dirty="0" err="1">
-                <a:solidFill>
-                  <a:srgbClr val="FFFF00"/>
-                </a:solidFill>
-                <a:effectLst/>
-                <a:latin typeface="Aharoni" panose="02010803020104030203" pitchFamily="2" charset="-79"/>
-                <a:ea typeface="Calibri" panose="020F0502020204030204" pitchFamily="34" charset="0"/>
-                <a:cs typeface="Aharoni" panose="02010803020104030203" pitchFamily="2" charset="-79"/>
-              </a:rPr>
-              <a:t>dayname</a:t>
-            </a:r>
-            <a:r>
-              <a:rPr lang="en-US" b="1" i="1" kern="100" dirty="0">
-                <a:solidFill>
-                  <a:srgbClr val="FFFF00"/>
-                </a:solidFill>
-                <a:effectLst/>
-                <a:latin typeface="Aharoni" panose="02010803020104030203" pitchFamily="2" charset="-79"/>
-                <a:ea typeface="Calibri" panose="020F0502020204030204" pitchFamily="34" charset="0"/>
-                <a:cs typeface="Aharoni" panose="02010803020104030203" pitchFamily="2" charset="-79"/>
-              </a:rPr>
-              <a:t>, </a:t>
-            </a:r>
-            <a:r>
-              <a:rPr lang="en-US" b="1" i="1" kern="100" dirty="0" err="1">
-                <a:solidFill>
-                  <a:srgbClr val="FFFF00"/>
-                </a:solidFill>
-                <a:effectLst/>
-                <a:latin typeface="Aharoni" panose="02010803020104030203" pitchFamily="2" charset="-79"/>
-                <a:ea typeface="Calibri" panose="020F0502020204030204" pitchFamily="34" charset="0"/>
-                <a:cs typeface="Aharoni" panose="02010803020104030203" pitchFamily="2" charset="-79"/>
-              </a:rPr>
-              <a:t>timeofday</a:t>
-            </a:r>
-            <a:r>
-              <a:rPr lang="en-US" b="1" i="1" kern="100" dirty="0">
-                <a:solidFill>
-                  <a:srgbClr val="FFFF00"/>
-                </a:solidFill>
-                <a:effectLst/>
-                <a:latin typeface="Aharoni" panose="02010803020104030203" pitchFamily="2" charset="-79"/>
-                <a:ea typeface="Calibri" panose="020F0502020204030204" pitchFamily="34" charset="0"/>
-                <a:cs typeface="Aharoni" panose="02010803020104030203" pitchFamily="2" charset="-79"/>
-              </a:rPr>
-              <a:t>, count(*) as </a:t>
-            </a:r>
-            <a:r>
-              <a:rPr lang="en-US" b="1" i="1" kern="100" dirty="0" err="1">
-                <a:solidFill>
-                  <a:srgbClr val="FFFF00"/>
-                </a:solidFill>
-                <a:effectLst/>
-                <a:latin typeface="Aharoni" panose="02010803020104030203" pitchFamily="2" charset="-79"/>
-                <a:ea typeface="Calibri" panose="020F0502020204030204" pitchFamily="34" charset="0"/>
-                <a:cs typeface="Aharoni" panose="02010803020104030203" pitchFamily="2" charset="-79"/>
-              </a:rPr>
-              <a:t>sales_occurrences</a:t>
-            </a:r>
-            <a:r>
-              <a:rPr lang="en-US" b="1" i="1" kern="100" dirty="0">
-                <a:solidFill>
-                  <a:srgbClr val="FFFF00"/>
-                </a:solidFill>
-                <a:effectLst/>
-                <a:latin typeface="Aharoni" panose="02010803020104030203" pitchFamily="2" charset="-79"/>
-                <a:ea typeface="Calibri" panose="020F0502020204030204" pitchFamily="34" charset="0"/>
-                <a:cs typeface="Aharoni" panose="02010803020104030203" pitchFamily="2" charset="-79"/>
-              </a:rPr>
-              <a:t> from amazon group by </a:t>
-            </a:r>
-            <a:r>
-              <a:rPr lang="en-US" b="1" i="1" kern="100" dirty="0" err="1">
-                <a:solidFill>
-                  <a:srgbClr val="FFFF00"/>
-                </a:solidFill>
-                <a:effectLst/>
-                <a:latin typeface="Aharoni" panose="02010803020104030203" pitchFamily="2" charset="-79"/>
-                <a:ea typeface="Calibri" panose="020F0502020204030204" pitchFamily="34" charset="0"/>
-                <a:cs typeface="Aharoni" panose="02010803020104030203" pitchFamily="2" charset="-79"/>
-              </a:rPr>
-              <a:t>dayname</a:t>
-            </a:r>
-            <a:r>
-              <a:rPr lang="en-US" b="1" i="1" kern="100" dirty="0">
-                <a:solidFill>
-                  <a:srgbClr val="FFFF00"/>
-                </a:solidFill>
-                <a:effectLst/>
-                <a:latin typeface="Aharoni" panose="02010803020104030203" pitchFamily="2" charset="-79"/>
-                <a:ea typeface="Calibri" panose="020F0502020204030204" pitchFamily="34" charset="0"/>
-                <a:cs typeface="Aharoni" panose="02010803020104030203" pitchFamily="2" charset="-79"/>
-              </a:rPr>
-              <a:t>, </a:t>
-            </a:r>
-            <a:r>
-              <a:rPr lang="en-US" b="1" i="1" kern="100" dirty="0" err="1">
-                <a:solidFill>
-                  <a:srgbClr val="FFFF00"/>
-                </a:solidFill>
-                <a:effectLst/>
-                <a:latin typeface="Aharoni" panose="02010803020104030203" pitchFamily="2" charset="-79"/>
-                <a:ea typeface="Calibri" panose="020F0502020204030204" pitchFamily="34" charset="0"/>
-                <a:cs typeface="Aharoni" panose="02010803020104030203" pitchFamily="2" charset="-79"/>
-              </a:rPr>
-              <a:t>timeofday</a:t>
-            </a:r>
-            <a:r>
-              <a:rPr lang="en-US" b="1" i="1" kern="100" dirty="0">
-                <a:solidFill>
-                  <a:srgbClr val="FFFF00"/>
-                </a:solidFill>
-                <a:effectLst/>
-                <a:latin typeface="Aharoni" panose="02010803020104030203" pitchFamily="2" charset="-79"/>
-                <a:ea typeface="Calibri" panose="020F0502020204030204" pitchFamily="34" charset="0"/>
-                <a:cs typeface="Aharoni" panose="02010803020104030203" pitchFamily="2" charset="-79"/>
-              </a:rPr>
-              <a:t> order by </a:t>
-            </a:r>
-            <a:r>
-              <a:rPr lang="en-US" b="1" i="1" kern="100" dirty="0" err="1">
-                <a:solidFill>
-                  <a:srgbClr val="FFFF00"/>
-                </a:solidFill>
-                <a:effectLst/>
-                <a:latin typeface="Aharoni" panose="02010803020104030203" pitchFamily="2" charset="-79"/>
-                <a:ea typeface="Calibri" panose="020F0502020204030204" pitchFamily="34" charset="0"/>
-                <a:cs typeface="Aharoni" panose="02010803020104030203" pitchFamily="2" charset="-79"/>
-              </a:rPr>
-              <a:t>dayname</a:t>
-            </a:r>
-            <a:r>
-              <a:rPr lang="en-US" b="1" i="1" kern="100" dirty="0">
-                <a:solidFill>
-                  <a:srgbClr val="FFFF00"/>
-                </a:solidFill>
-                <a:effectLst/>
-                <a:latin typeface="Aharoni" panose="02010803020104030203" pitchFamily="2" charset="-79"/>
-                <a:ea typeface="Calibri" panose="020F0502020204030204" pitchFamily="34" charset="0"/>
-                <a:cs typeface="Aharoni" panose="02010803020104030203" pitchFamily="2" charset="-79"/>
-              </a:rPr>
-              <a:t>;</a:t>
-            </a:r>
-            <a:endParaRPr lang="en-US" i="1" kern="100" dirty="0">
-              <a:solidFill>
-                <a:srgbClr val="FFFF00"/>
-              </a:solidFill>
-              <a:effectLst/>
-              <a:latin typeface="Aharoni" panose="02010803020104030203" pitchFamily="2" charset="-79"/>
-              <a:ea typeface="Calibri" panose="020F0502020204030204" pitchFamily="34" charset="0"/>
-              <a:cs typeface="Aharoni" panose="02010803020104030203" pitchFamily="2" charset="-79"/>
-            </a:endParaRPr>
-          </a:p>
-        </p:txBody>
-      </p:sp>
-      <p:sp>
-        <p:nvSpPr>
-          <p:cNvPr id="14" name="TextBox 13">
-            <a:extLst>
-              <a:ext uri="{FF2B5EF4-FFF2-40B4-BE49-F238E27FC236}">
-                <a16:creationId xmlns:a16="http://schemas.microsoft.com/office/drawing/2014/main" id="{2F00BB76-E5A4-C796-F9E2-8818EE721519}"/>
-              </a:ext>
-            </a:extLst>
-          </p:cNvPr>
-          <p:cNvSpPr txBox="1"/>
-          <p:nvPr/>
-        </p:nvSpPr>
-        <p:spPr>
-          <a:xfrm>
-            <a:off x="81126" y="2601294"/>
-            <a:ext cx="7725104" cy="1822294"/>
-          </a:xfrm>
-          <a:prstGeom prst="rect">
-            <a:avLst/>
-          </a:prstGeom>
-          <a:noFill/>
-        </p:spPr>
-        <p:txBody>
-          <a:bodyPr wrap="square">
-            <a:spAutoFit/>
-          </a:bodyPr>
-          <a:lstStyle/>
-          <a:p>
-            <a:pPr marL="0" marR="0">
-              <a:lnSpc>
-                <a:spcPct val="150000"/>
-              </a:lnSpc>
-              <a:spcBef>
-                <a:spcPts val="0"/>
-              </a:spcBef>
-              <a:spcAft>
-                <a:spcPts val="800"/>
-              </a:spcAft>
-            </a:pPr>
-            <a:r>
-              <a:rPr lang="en-US" b="1" kern="100" dirty="0">
-                <a:effectLst/>
-                <a:latin typeface="Aharoni" panose="02010803020104030203" pitchFamily="2" charset="-79"/>
-                <a:ea typeface="Calibri" panose="020F0502020204030204" pitchFamily="34" charset="0"/>
-                <a:cs typeface="Aharoni" panose="02010803020104030203" pitchFamily="2" charset="-79"/>
-              </a:rPr>
-              <a:t>#14.	Calculate the average rating for each product line.</a:t>
-            </a:r>
-            <a:endParaRPr lang="en-US" kern="100" dirty="0">
-              <a:effectLst/>
-              <a:latin typeface="Aharoni" panose="02010803020104030203" pitchFamily="2" charset="-79"/>
-              <a:ea typeface="Calibri" panose="020F0502020204030204" pitchFamily="34" charset="0"/>
-              <a:cs typeface="Aharoni" panose="02010803020104030203" pitchFamily="2" charset="-79"/>
-            </a:endParaRPr>
-          </a:p>
-          <a:p>
-            <a:pPr marL="0" marR="0">
-              <a:lnSpc>
-                <a:spcPct val="150000"/>
-              </a:lnSpc>
-              <a:spcBef>
-                <a:spcPts val="0"/>
-              </a:spcBef>
-              <a:spcAft>
-                <a:spcPts val="800"/>
-              </a:spcAft>
-            </a:pPr>
-            <a:r>
-              <a:rPr lang="en-US" b="1" i="1" kern="100" dirty="0">
-                <a:solidFill>
-                  <a:srgbClr val="FFFF00"/>
-                </a:solidFill>
-                <a:effectLst/>
-                <a:latin typeface="Aharoni" panose="02010803020104030203" pitchFamily="2" charset="-79"/>
-                <a:ea typeface="Calibri" panose="020F0502020204030204" pitchFamily="34" charset="0"/>
-                <a:cs typeface="Aharoni" panose="02010803020104030203" pitchFamily="2" charset="-79"/>
-              </a:rPr>
-              <a:t>SELECT distinct(`Product line`), avg(Rating) over(partition by `Product line`) as </a:t>
-            </a:r>
-            <a:r>
-              <a:rPr lang="en-US" b="1" i="1" kern="100" dirty="0" err="1">
-                <a:solidFill>
-                  <a:srgbClr val="FFFF00"/>
-                </a:solidFill>
-                <a:effectLst/>
-                <a:latin typeface="Aharoni" panose="02010803020104030203" pitchFamily="2" charset="-79"/>
-                <a:ea typeface="Calibri" panose="020F0502020204030204" pitchFamily="34" charset="0"/>
-                <a:cs typeface="Aharoni" panose="02010803020104030203" pitchFamily="2" charset="-79"/>
-              </a:rPr>
-              <a:t>Avg_Rating_each_Product</a:t>
-            </a:r>
-            <a:r>
-              <a:rPr lang="en-US" b="1" i="1" kern="100" dirty="0">
-                <a:solidFill>
-                  <a:srgbClr val="FFFF00"/>
-                </a:solidFill>
-                <a:effectLst/>
-                <a:latin typeface="Aharoni" panose="02010803020104030203" pitchFamily="2" charset="-79"/>
-                <a:ea typeface="Calibri" panose="020F0502020204030204" pitchFamily="34" charset="0"/>
-                <a:cs typeface="Aharoni" panose="02010803020104030203" pitchFamily="2" charset="-79"/>
-              </a:rPr>
-              <a:t> from amazon  order by </a:t>
-            </a:r>
-            <a:r>
-              <a:rPr lang="en-US" b="1" i="1" kern="100" dirty="0" err="1">
-                <a:solidFill>
-                  <a:srgbClr val="FFFF00"/>
-                </a:solidFill>
-                <a:effectLst/>
-                <a:latin typeface="Aharoni" panose="02010803020104030203" pitchFamily="2" charset="-79"/>
-                <a:ea typeface="Calibri" panose="020F0502020204030204" pitchFamily="34" charset="0"/>
-                <a:cs typeface="Aharoni" panose="02010803020104030203" pitchFamily="2" charset="-79"/>
-              </a:rPr>
-              <a:t>Avg_Rating_each_Product</a:t>
-            </a:r>
-            <a:r>
-              <a:rPr lang="en-US" b="1" i="1" kern="100" dirty="0">
-                <a:solidFill>
-                  <a:srgbClr val="FFFF00"/>
-                </a:solidFill>
-                <a:effectLst/>
-                <a:latin typeface="Aharoni" panose="02010803020104030203" pitchFamily="2" charset="-79"/>
-                <a:ea typeface="Calibri" panose="020F0502020204030204" pitchFamily="34" charset="0"/>
-                <a:cs typeface="Aharoni" panose="02010803020104030203" pitchFamily="2" charset="-79"/>
-              </a:rPr>
-              <a:t> desc;</a:t>
-            </a:r>
-            <a:endParaRPr lang="en-US" i="1" kern="100" dirty="0">
-              <a:solidFill>
-                <a:srgbClr val="FFFF00"/>
-              </a:solidFill>
-              <a:effectLst/>
-              <a:latin typeface="Aharoni" panose="02010803020104030203" pitchFamily="2" charset="-79"/>
-              <a:ea typeface="Calibri" panose="020F0502020204030204" pitchFamily="34" charset="0"/>
-              <a:cs typeface="Aharoni" panose="02010803020104030203" pitchFamily="2" charset="-79"/>
-            </a:endParaRPr>
-          </a:p>
-        </p:txBody>
-      </p:sp>
-      <p:pic>
-        <p:nvPicPr>
-          <p:cNvPr id="4" name="Picture 3">
-            <a:extLst>
-              <a:ext uri="{FF2B5EF4-FFF2-40B4-BE49-F238E27FC236}">
-                <a16:creationId xmlns:a16="http://schemas.microsoft.com/office/drawing/2014/main" id="{52886A75-C324-0F19-E562-A40C5E992E1B}"/>
-              </a:ext>
-            </a:extLst>
-          </p:cNvPr>
-          <p:cNvPicPr>
-            <a:picLocks noChangeAspect="1"/>
-          </p:cNvPicPr>
-          <p:nvPr/>
-        </p:nvPicPr>
-        <p:blipFill>
-          <a:blip r:embed="rId2"/>
-          <a:stretch>
-            <a:fillRect/>
-          </a:stretch>
-        </p:blipFill>
-        <p:spPr>
-          <a:xfrm>
-            <a:off x="7530481" y="323855"/>
-            <a:ext cx="4544059" cy="1276528"/>
-          </a:xfrm>
-          <a:prstGeom prst="rect">
-            <a:avLst/>
-          </a:prstGeom>
-        </p:spPr>
-      </p:pic>
-      <p:pic>
-        <p:nvPicPr>
-          <p:cNvPr id="6" name="Picture 5">
-            <a:extLst>
-              <a:ext uri="{FF2B5EF4-FFF2-40B4-BE49-F238E27FC236}">
-                <a16:creationId xmlns:a16="http://schemas.microsoft.com/office/drawing/2014/main" id="{F6EB9FFA-FDCF-28BE-5788-AD8E4163135F}"/>
-              </a:ext>
-            </a:extLst>
-          </p:cNvPr>
-          <p:cNvPicPr>
-            <a:picLocks noChangeAspect="1"/>
-          </p:cNvPicPr>
-          <p:nvPr/>
-        </p:nvPicPr>
-        <p:blipFill>
-          <a:blip r:embed="rId3"/>
-          <a:stretch>
-            <a:fillRect/>
-          </a:stretch>
-        </p:blipFill>
-        <p:spPr>
-          <a:xfrm>
-            <a:off x="7806230" y="1890494"/>
-            <a:ext cx="4228637" cy="2665215"/>
-          </a:xfrm>
-          <a:prstGeom prst="rect">
-            <a:avLst/>
-          </a:prstGeom>
-        </p:spPr>
-      </p:pic>
-      <p:pic>
-        <p:nvPicPr>
-          <p:cNvPr id="10" name="Picture 9">
-            <a:extLst>
-              <a:ext uri="{FF2B5EF4-FFF2-40B4-BE49-F238E27FC236}">
-                <a16:creationId xmlns:a16="http://schemas.microsoft.com/office/drawing/2014/main" id="{188B5ECC-BC49-F90F-C4F8-BD76ED3ACDE6}"/>
-              </a:ext>
-            </a:extLst>
-          </p:cNvPr>
-          <p:cNvPicPr>
-            <a:picLocks noChangeAspect="1"/>
-          </p:cNvPicPr>
-          <p:nvPr/>
-        </p:nvPicPr>
-        <p:blipFill>
-          <a:blip r:embed="rId4"/>
-          <a:stretch>
-            <a:fillRect/>
-          </a:stretch>
-        </p:blipFill>
-        <p:spPr>
-          <a:xfrm>
-            <a:off x="451889" y="4500745"/>
-            <a:ext cx="3111118" cy="2279315"/>
-          </a:xfrm>
-          <a:prstGeom prst="rect">
-            <a:avLst/>
-          </a:prstGeom>
-        </p:spPr>
-      </p:pic>
-    </p:spTree>
-    <p:extLst>
-      <p:ext uri="{BB962C8B-B14F-4D97-AF65-F5344CB8AC3E}">
-        <p14:creationId xmlns:p14="http://schemas.microsoft.com/office/powerpoint/2010/main" val="2676450255"/>
       </p:ext>
     </p:extLst>
   </p:cSld>
